--- a/Cordeuse/ChaineFonctionnelleCordeuse.pptx
+++ b/Cordeuse/ChaineFonctionnelleCordeuse.pptx
@@ -5,11 +5,10 @@
     <p:sldMasterId id="2147483648" r:id="rId1"/>
   </p:sldMasterIdLst>
   <p:notesMasterIdLst>
-    <p:notesMasterId r:id="rId4"/>
+    <p:notesMasterId r:id="rId3"/>
   </p:notesMasterIdLst>
   <p:sldIdLst>
     <p:sldId id="262" r:id="rId2"/>
-    <p:sldId id="257" r:id="rId3"/>
   </p:sldIdLst>
   <p:sldSz cx="9144000" cy="6858000" type="screen4x3"/>
   <p:notesSz cx="6858000" cy="9144000"/>
@@ -193,7 +192,7 @@
           <a:p>
             <a:fld id="{C6619351-236F-44EC-95F0-B53CFFBC0C4C}" type="datetimeFigureOut">
               <a:rPr lang="fr-FR" smtClean="0"/>
-              <a:t>30/09/2014</a:t>
+              <a:t>19/10/2014</a:t>
             </a:fld>
             <a:endParaRPr lang="fr-FR"/>
           </a:p>
@@ -361,6 +360,11 @@
         </p:txBody>
       </p:sp>
     </p:spTree>
+    <p:extLst>
+      <p:ext uri="{BB962C8B-B14F-4D97-AF65-F5344CB8AC3E}">
+        <p14:creationId xmlns:p14="http://schemas.microsoft.com/office/powerpoint/2010/main" val="1033318901"/>
+      </p:ext>
+    </p:extLst>
   </p:cSld>
   <p:clrMap bg1="lt1" tx1="dk1" bg2="lt2" tx2="dk2" accent1="accent1" accent2="accent2" accent3="accent3" accent4="accent4" accent5="accent5" accent6="accent6" hlink="hlink" folHlink="folHlink"/>
   <p:notesStyle>
@@ -640,7 +644,7 @@
             <a:fld id="{AA309A6D-C09C-4548-B29A-6CF363A7E532}" type="datetimeFigureOut">
               <a:rPr lang="fr-FR" smtClean="0"/>
               <a:pPr/>
-              <a:t>30/09/2014</a:t>
+              <a:t>19/10/2014</a:t>
             </a:fld>
             <a:endParaRPr lang="fr-BE"/>
           </a:p>
@@ -807,7 +811,7 @@
             <a:fld id="{AA309A6D-C09C-4548-B29A-6CF363A7E532}" type="datetimeFigureOut">
               <a:rPr lang="fr-FR" smtClean="0"/>
               <a:pPr/>
-              <a:t>30/09/2014</a:t>
+              <a:t>19/10/2014</a:t>
             </a:fld>
             <a:endParaRPr lang="fr-BE"/>
           </a:p>
@@ -984,7 +988,7 @@
             <a:fld id="{AA309A6D-C09C-4548-B29A-6CF363A7E532}" type="datetimeFigureOut">
               <a:rPr lang="fr-FR" smtClean="0"/>
               <a:pPr/>
-              <a:t>30/09/2014</a:t>
+              <a:t>19/10/2014</a:t>
             </a:fld>
             <a:endParaRPr lang="fr-BE"/>
           </a:p>
@@ -1151,7 +1155,7 @@
             <a:fld id="{AA309A6D-C09C-4548-B29A-6CF363A7E532}" type="datetimeFigureOut">
               <a:rPr lang="fr-FR" smtClean="0"/>
               <a:pPr/>
-              <a:t>30/09/2014</a:t>
+              <a:t>19/10/2014</a:t>
             </a:fld>
             <a:endParaRPr lang="fr-BE"/>
           </a:p>
@@ -1394,7 +1398,7 @@
             <a:fld id="{AA309A6D-C09C-4548-B29A-6CF363A7E532}" type="datetimeFigureOut">
               <a:rPr lang="fr-FR" smtClean="0"/>
               <a:pPr/>
-              <a:t>30/09/2014</a:t>
+              <a:t>19/10/2014</a:t>
             </a:fld>
             <a:endParaRPr lang="fr-BE"/>
           </a:p>
@@ -1679,7 +1683,7 @@
             <a:fld id="{AA309A6D-C09C-4548-B29A-6CF363A7E532}" type="datetimeFigureOut">
               <a:rPr lang="fr-FR" smtClean="0"/>
               <a:pPr/>
-              <a:t>30/09/2014</a:t>
+              <a:t>19/10/2014</a:t>
             </a:fld>
             <a:endParaRPr lang="fr-BE"/>
           </a:p>
@@ -2098,7 +2102,7 @@
             <a:fld id="{AA309A6D-C09C-4548-B29A-6CF363A7E532}" type="datetimeFigureOut">
               <a:rPr lang="fr-FR" smtClean="0"/>
               <a:pPr/>
-              <a:t>30/09/2014</a:t>
+              <a:t>19/10/2014</a:t>
             </a:fld>
             <a:endParaRPr lang="fr-BE"/>
           </a:p>
@@ -2213,7 +2217,7 @@
             <a:fld id="{AA309A6D-C09C-4548-B29A-6CF363A7E532}" type="datetimeFigureOut">
               <a:rPr lang="fr-FR" smtClean="0"/>
               <a:pPr/>
-              <a:t>30/09/2014</a:t>
+              <a:t>19/10/2014</a:t>
             </a:fld>
             <a:endParaRPr lang="fr-BE"/>
           </a:p>
@@ -2305,7 +2309,7 @@
             <a:fld id="{AA309A6D-C09C-4548-B29A-6CF363A7E532}" type="datetimeFigureOut">
               <a:rPr lang="fr-FR" smtClean="0"/>
               <a:pPr/>
-              <a:t>30/09/2014</a:t>
+              <a:t>19/10/2014</a:t>
             </a:fld>
             <a:endParaRPr lang="fr-BE"/>
           </a:p>
@@ -2579,7 +2583,7 @@
             <a:fld id="{AA309A6D-C09C-4548-B29A-6CF363A7E532}" type="datetimeFigureOut">
               <a:rPr lang="fr-FR" smtClean="0"/>
               <a:pPr/>
-              <a:t>30/09/2014</a:t>
+              <a:t>19/10/2014</a:t>
             </a:fld>
             <a:endParaRPr lang="fr-BE"/>
           </a:p>
@@ -2829,7 +2833,7 @@
             <a:fld id="{AA309A6D-C09C-4548-B29A-6CF363A7E532}" type="datetimeFigureOut">
               <a:rPr lang="fr-FR" smtClean="0"/>
               <a:pPr/>
-              <a:t>30/09/2014</a:t>
+              <a:t>19/10/2014</a:t>
             </a:fld>
             <a:endParaRPr lang="fr-BE"/>
           </a:p>
@@ -3039,7 +3043,7 @@
             <a:fld id="{AA309A6D-C09C-4548-B29A-6CF363A7E532}" type="datetimeFigureOut">
               <a:rPr lang="fr-FR" smtClean="0"/>
               <a:pPr/>
-              <a:t>30/09/2014</a:t>
+              <a:t>19/10/2014</a:t>
             </a:fld>
             <a:endParaRPr lang="fr-BE"/>
           </a:p>
@@ -7151,2631 +7155,6 @@
 </p:sld>
 </file>
 
-<file path=ppt/slides/slide2.xml><?xml version="1.0" encoding="utf-8"?>
-<p:sld xmlns:a="http://schemas.openxmlformats.org/drawingml/2006/main" xmlns:r="http://schemas.openxmlformats.org/officeDocument/2006/relationships" xmlns:p="http://schemas.openxmlformats.org/presentationml/2006/main">
-  <p:cSld>
-    <p:spTree>
-      <p:nvGrpSpPr>
-        <p:cNvPr id="1" name=""/>
-        <p:cNvGrpSpPr/>
-        <p:nvPr/>
-      </p:nvGrpSpPr>
-      <p:grpSpPr>
-        <a:xfrm>
-          <a:off x="0" y="0"/>
-          <a:ext cx="0" cy="0"/>
-          <a:chOff x="0" y="0"/>
-          <a:chExt cx="0" cy="0"/>
-        </a:xfrm>
-      </p:grpSpPr>
-      <p:sp>
-        <p:nvSpPr>
-          <p:cNvPr id="40" name="Rectangle à coins arrondis 39"/>
-          <p:cNvSpPr/>
-          <p:nvPr/>
-        </p:nvSpPr>
-        <p:spPr>
-          <a:xfrm>
-            <a:off x="-1370667" y="3120620"/>
-            <a:ext cx="12666406" cy="1729778"/>
-          </a:xfrm>
-          <a:prstGeom prst="roundRect">
-            <a:avLst/>
-          </a:prstGeom>
-          <a:solidFill>
-            <a:schemeClr val="accent2">
-              <a:lumMod val="20000"/>
-              <a:lumOff val="80000"/>
-            </a:schemeClr>
-          </a:solidFill>
-          <a:ln w="25400" cap="flat" cmpd="sng" algn="ctr">
-            <a:solidFill>
-              <a:srgbClr val="C0504D"/>
-            </a:solidFill>
-            <a:prstDash val="solid"/>
-          </a:ln>
-          <a:effectLst/>
-        </p:spPr>
-        <p:txBody>
-          <a:bodyPr rtlCol="0" anchor="b"/>
-          <a:lstStyle/>
-          <a:p>
-            <a:pPr marL="0" marR="0" lvl="0" indent="0" algn="ctr" defTabSz="914400" eaLnBrk="1" fontAlgn="auto" latinLnBrk="0" hangingPunct="1">
-              <a:lnSpc>
-                <a:spcPct val="100000"/>
-              </a:lnSpc>
-              <a:spcBef>
-                <a:spcPts val="0"/>
-              </a:spcBef>
-              <a:spcAft>
-                <a:spcPts val="0"/>
-              </a:spcAft>
-              <a:buClrTx/>
-              <a:buSzTx/>
-              <a:buFontTx/>
-              <a:buNone/>
-              <a:tabLst/>
-              <a:defRPr/>
-            </a:pPr>
-            <a:r>
-              <a:rPr kumimoji="0" lang="fr-FR" sz="1400" b="0" i="1" u="none" strike="noStrike" kern="0" cap="none" spc="0" normalizeH="0" baseline="0" noProof="0" dirty="0" smtClean="0">
-                <a:ln>
-                  <a:noFill/>
-                </a:ln>
-                <a:solidFill>
-                  <a:prstClr val="black"/>
-                </a:solidFill>
-                <a:effectLst/>
-                <a:uLnTx/>
-                <a:uFillTx/>
-                <a:latin typeface="Calibri"/>
-                <a:ea typeface="+mn-ea"/>
-                <a:cs typeface="+mn-cs"/>
-              </a:rPr>
-              <a:t>Chaîne d’énergie</a:t>
-            </a:r>
-          </a:p>
-        </p:txBody>
-      </p:sp>
-      <p:grpSp>
-        <p:nvGrpSpPr>
-          <p:cNvPr id="41" name="Groupe 40"/>
-          <p:cNvGrpSpPr/>
-          <p:nvPr/>
-        </p:nvGrpSpPr>
-        <p:grpSpPr>
-          <a:xfrm>
-            <a:off x="-1910578" y="3415083"/>
-            <a:ext cx="13014056" cy="576000"/>
-            <a:chOff x="-1910578" y="3415083"/>
-            <a:chExt cx="13014056" cy="576000"/>
-          </a:xfrm>
-        </p:grpSpPr>
-        <p:sp>
-          <p:nvSpPr>
-            <p:cNvPr id="42" name="Rectangle 41"/>
-            <p:cNvSpPr/>
-            <p:nvPr/>
-          </p:nvSpPr>
-          <p:spPr>
-            <a:xfrm>
-              <a:off x="981835" y="3415083"/>
-              <a:ext cx="1440000" cy="576000"/>
-            </a:xfrm>
-            <a:prstGeom prst="rect">
-              <a:avLst/>
-            </a:prstGeom>
-            <a:solidFill>
-              <a:schemeClr val="accent2">
-                <a:lumMod val="40000"/>
-                <a:lumOff val="60000"/>
-              </a:schemeClr>
-            </a:solidFill>
-            <a:ln w="9525" cap="flat" cmpd="sng" algn="ctr">
-              <a:solidFill>
-                <a:srgbClr val="C0504D">
-                  <a:shade val="95000"/>
-                  <a:satMod val="105000"/>
-                </a:srgbClr>
-              </a:solidFill>
-              <a:prstDash val="solid"/>
-            </a:ln>
-            <a:effectLst>
-              <a:outerShdw blurRad="40000" dist="20000" dir="5400000" rotWithShape="0">
-                <a:srgbClr val="000000">
-                  <a:alpha val="38000"/>
-                </a:srgbClr>
-              </a:outerShdw>
-            </a:effectLst>
-          </p:spPr>
-          <p:txBody>
-            <a:bodyPr rtlCol="0" anchor="ctr"/>
-            <a:lstStyle/>
-            <a:p>
-              <a:pPr marL="0" marR="0" lvl="0" indent="0" algn="ctr" defTabSz="914400" eaLnBrk="1" fontAlgn="auto" latinLnBrk="0" hangingPunct="1">
-                <a:lnSpc>
-                  <a:spcPct val="100000"/>
-                </a:lnSpc>
-                <a:spcBef>
-                  <a:spcPts val="0"/>
-                </a:spcBef>
-                <a:spcAft>
-                  <a:spcPts val="0"/>
-                </a:spcAft>
-                <a:buClrTx/>
-                <a:buSzTx/>
-                <a:buFontTx/>
-                <a:buNone/>
-                <a:tabLst/>
-                <a:defRPr/>
-              </a:pPr>
-              <a:r>
-                <a:rPr kumimoji="0" lang="fr-FR" sz="1400" b="0" i="0" u="none" strike="noStrike" kern="0" cap="none" spc="0" normalizeH="0" baseline="0" noProof="0" dirty="0" smtClean="0">
-                  <a:ln>
-                    <a:noFill/>
-                  </a:ln>
-                  <a:solidFill>
-                    <a:prstClr val="black"/>
-                  </a:solidFill>
-                  <a:effectLst/>
-                  <a:uLnTx/>
-                  <a:uFillTx/>
-                  <a:latin typeface="Calibri"/>
-                  <a:ea typeface="+mn-ea"/>
-                  <a:cs typeface="+mn-cs"/>
-                </a:rPr>
-                <a:t>ALIMENTER</a:t>
-              </a:r>
-            </a:p>
-          </p:txBody>
-        </p:sp>
-        <p:sp>
-          <p:nvSpPr>
-            <p:cNvPr id="50" name="Rectangle 49"/>
-            <p:cNvSpPr/>
-            <p:nvPr/>
-          </p:nvSpPr>
-          <p:spPr>
-            <a:xfrm>
-              <a:off x="7462554" y="3415083"/>
-              <a:ext cx="1440000" cy="576000"/>
-            </a:xfrm>
-            <a:prstGeom prst="rect">
-              <a:avLst/>
-            </a:prstGeom>
-            <a:solidFill>
-              <a:schemeClr val="accent2">
-                <a:lumMod val="40000"/>
-                <a:lumOff val="60000"/>
-              </a:schemeClr>
-            </a:solidFill>
-            <a:ln w="9525" cap="flat" cmpd="sng" algn="ctr">
-              <a:solidFill>
-                <a:srgbClr val="C0504D">
-                  <a:shade val="95000"/>
-                  <a:satMod val="105000"/>
-                </a:srgbClr>
-              </a:solidFill>
-              <a:prstDash val="solid"/>
-            </a:ln>
-            <a:effectLst>
-              <a:outerShdw blurRad="40000" dist="20000" dir="5400000" rotWithShape="0">
-                <a:srgbClr val="000000">
-                  <a:alpha val="38000"/>
-                </a:srgbClr>
-              </a:outerShdw>
-            </a:effectLst>
-          </p:spPr>
-          <p:txBody>
-            <a:bodyPr rtlCol="0" anchor="ctr"/>
-            <a:lstStyle/>
-            <a:p>
-              <a:pPr marL="0" marR="0" lvl="0" indent="0" algn="ctr" defTabSz="914400" eaLnBrk="1" fontAlgn="auto" latinLnBrk="0" hangingPunct="1">
-                <a:lnSpc>
-                  <a:spcPct val="100000"/>
-                </a:lnSpc>
-                <a:spcBef>
-                  <a:spcPts val="0"/>
-                </a:spcBef>
-                <a:spcAft>
-                  <a:spcPts val="0"/>
-                </a:spcAft>
-                <a:buClrTx/>
-                <a:buSzTx/>
-                <a:buFontTx/>
-                <a:buNone/>
-                <a:tabLst/>
-                <a:defRPr/>
-              </a:pPr>
-              <a:r>
-                <a:rPr kumimoji="0" lang="fr-FR" sz="1400" b="0" i="0" u="none" strike="noStrike" kern="0" cap="none" spc="0" normalizeH="0" baseline="0" noProof="0" dirty="0" smtClean="0">
-                  <a:ln>
-                    <a:noFill/>
-                  </a:ln>
-                  <a:solidFill>
-                    <a:prstClr val="black"/>
-                  </a:solidFill>
-                  <a:effectLst/>
-                  <a:uLnTx/>
-                  <a:uFillTx/>
-                  <a:latin typeface="Calibri"/>
-                  <a:ea typeface="+mn-ea"/>
-                  <a:cs typeface="+mn-cs"/>
-                </a:rPr>
-                <a:t>TRANSMETTRE</a:t>
-              </a:r>
-            </a:p>
-          </p:txBody>
-        </p:sp>
-        <p:cxnSp>
-          <p:nvCxnSpPr>
-            <p:cNvPr id="51" name="Connecteur droit 50"/>
-            <p:cNvCxnSpPr>
-              <a:endCxn id="42" idx="1"/>
-            </p:cNvCxnSpPr>
-            <p:nvPr/>
-          </p:nvCxnSpPr>
-          <p:spPr>
-            <a:xfrm>
-              <a:off x="261595" y="3700296"/>
-              <a:ext cx="720240" cy="2787"/>
-            </a:xfrm>
-            <a:prstGeom prst="line">
-              <a:avLst/>
-            </a:prstGeom>
-            <a:noFill/>
-            <a:ln w="28575" cap="flat" cmpd="sng" algn="ctr">
-              <a:solidFill>
-                <a:srgbClr val="C0504D">
-                  <a:shade val="95000"/>
-                  <a:satMod val="105000"/>
-                </a:srgbClr>
-              </a:solidFill>
-              <a:prstDash val="solid"/>
-              <a:headEnd type="none" w="med" len="med"/>
-              <a:tailEnd type="arrow" w="med" len="med"/>
-            </a:ln>
-            <a:effectLst/>
-          </p:spPr>
-        </p:cxnSp>
-        <p:cxnSp>
-          <p:nvCxnSpPr>
-            <p:cNvPr id="52" name="Connecteur droit 51"/>
-            <p:cNvCxnSpPr>
-              <a:endCxn id="57" idx="1"/>
-            </p:cNvCxnSpPr>
-            <p:nvPr/>
-          </p:nvCxnSpPr>
-          <p:spPr>
-            <a:xfrm flipV="1">
-              <a:off x="4556766" y="3703083"/>
-              <a:ext cx="765922" cy="2787"/>
-            </a:xfrm>
-            <a:prstGeom prst="line">
-              <a:avLst/>
-            </a:prstGeom>
-            <a:noFill/>
-            <a:ln w="28575" cap="flat" cmpd="sng" algn="ctr">
-              <a:solidFill>
-                <a:srgbClr val="C0504D">
-                  <a:shade val="95000"/>
-                  <a:satMod val="105000"/>
-                </a:srgbClr>
-              </a:solidFill>
-              <a:prstDash val="solid"/>
-              <a:headEnd type="none" w="med" len="med"/>
-              <a:tailEnd type="arrow" w="med" len="med"/>
-            </a:ln>
-            <a:effectLst/>
-          </p:spPr>
-        </p:cxnSp>
-        <p:cxnSp>
-          <p:nvCxnSpPr>
-            <p:cNvPr id="53" name="Connecteur droit 52"/>
-            <p:cNvCxnSpPr>
-              <a:endCxn id="50" idx="1"/>
-            </p:cNvCxnSpPr>
-            <p:nvPr/>
-          </p:nvCxnSpPr>
-          <p:spPr>
-            <a:xfrm>
-              <a:off x="6762688" y="3700296"/>
-              <a:ext cx="699866" cy="2787"/>
-            </a:xfrm>
-            <a:prstGeom prst="line">
-              <a:avLst/>
-            </a:prstGeom>
-            <a:noFill/>
-            <a:ln w="28575" cap="flat" cmpd="sng" algn="ctr">
-              <a:solidFill>
-                <a:srgbClr val="C0504D">
-                  <a:shade val="95000"/>
-                  <a:satMod val="105000"/>
-                </a:srgbClr>
-              </a:solidFill>
-              <a:prstDash val="solid"/>
-              <a:headEnd type="none" w="med" len="med"/>
-              <a:tailEnd type="arrow" w="med" len="med"/>
-            </a:ln>
-            <a:effectLst/>
-          </p:spPr>
-        </p:cxnSp>
-        <p:sp>
-          <p:nvSpPr>
-            <p:cNvPr id="54" name="Rectangle 53"/>
-            <p:cNvSpPr/>
-            <p:nvPr/>
-          </p:nvSpPr>
-          <p:spPr>
-            <a:xfrm>
-              <a:off x="-1178405" y="3415083"/>
-              <a:ext cx="1440000" cy="576000"/>
-            </a:xfrm>
-            <a:prstGeom prst="rect">
-              <a:avLst/>
-            </a:prstGeom>
-            <a:solidFill>
-              <a:schemeClr val="accent2">
-                <a:lumMod val="40000"/>
-                <a:lumOff val="60000"/>
-              </a:schemeClr>
-            </a:solidFill>
-            <a:ln w="9525" cap="flat" cmpd="sng" algn="ctr">
-              <a:solidFill>
-                <a:srgbClr val="C0504D">
-                  <a:shade val="95000"/>
-                  <a:satMod val="105000"/>
-                </a:srgbClr>
-              </a:solidFill>
-              <a:prstDash val="solid"/>
-            </a:ln>
-            <a:effectLst>
-              <a:outerShdw blurRad="40000" dist="20000" dir="5400000" rotWithShape="0">
-                <a:srgbClr val="000000">
-                  <a:alpha val="38000"/>
-                </a:srgbClr>
-              </a:outerShdw>
-            </a:effectLst>
-          </p:spPr>
-          <p:txBody>
-            <a:bodyPr rtlCol="0" anchor="ctr"/>
-            <a:lstStyle/>
-            <a:p>
-              <a:pPr marL="0" marR="0" lvl="0" indent="0" algn="ctr" defTabSz="914400" eaLnBrk="1" fontAlgn="auto" latinLnBrk="0" hangingPunct="1">
-                <a:lnSpc>
-                  <a:spcPct val="100000"/>
-                </a:lnSpc>
-                <a:spcBef>
-                  <a:spcPts val="0"/>
-                </a:spcBef>
-                <a:spcAft>
-                  <a:spcPts val="0"/>
-                </a:spcAft>
-                <a:buClrTx/>
-                <a:buSzTx/>
-                <a:buFontTx/>
-                <a:buNone/>
-                <a:tabLst/>
-                <a:defRPr/>
-              </a:pPr>
-              <a:r>
-                <a:rPr lang="fr-FR" sz="1400" kern="0" dirty="0" smtClean="0">
-                  <a:solidFill>
-                    <a:prstClr val="black"/>
-                  </a:solidFill>
-                  <a:latin typeface="Calibri"/>
-                </a:rPr>
-                <a:t>STOCKER</a:t>
-              </a:r>
-              <a:endParaRPr kumimoji="0" lang="fr-FR" sz="1400" b="0" i="0" u="none" strike="noStrike" kern="0" cap="none" spc="0" normalizeH="0" baseline="0" noProof="0" dirty="0" smtClean="0">
-                <a:ln>
-                  <a:noFill/>
-                </a:ln>
-                <a:solidFill>
-                  <a:prstClr val="black"/>
-                </a:solidFill>
-                <a:effectLst/>
-                <a:uLnTx/>
-                <a:uFillTx/>
-                <a:latin typeface="Calibri"/>
-                <a:ea typeface="+mn-ea"/>
-                <a:cs typeface="+mn-cs"/>
-              </a:endParaRPr>
-            </a:p>
-          </p:txBody>
-        </p:sp>
-        <p:sp>
-          <p:nvSpPr>
-            <p:cNvPr id="55" name="Rectangle 54"/>
-            <p:cNvSpPr/>
-            <p:nvPr/>
-          </p:nvSpPr>
-          <p:spPr>
-            <a:xfrm>
-              <a:off x="3116766" y="3415083"/>
-              <a:ext cx="1440000" cy="576000"/>
-            </a:xfrm>
-            <a:prstGeom prst="rect">
-              <a:avLst/>
-            </a:prstGeom>
-            <a:solidFill>
-              <a:schemeClr val="accent2">
-                <a:lumMod val="40000"/>
-                <a:lumOff val="60000"/>
-              </a:schemeClr>
-            </a:solidFill>
-            <a:ln w="9525" cap="flat" cmpd="sng" algn="ctr">
-              <a:solidFill>
-                <a:srgbClr val="C0504D">
-                  <a:shade val="95000"/>
-                  <a:satMod val="105000"/>
-                </a:srgbClr>
-              </a:solidFill>
-              <a:prstDash val="solid"/>
-            </a:ln>
-            <a:effectLst>
-              <a:outerShdw blurRad="40000" dist="20000" dir="5400000" rotWithShape="0">
-                <a:srgbClr val="000000">
-                  <a:alpha val="38000"/>
-                </a:srgbClr>
-              </a:outerShdw>
-            </a:effectLst>
-          </p:spPr>
-          <p:txBody>
-            <a:bodyPr rtlCol="0" anchor="ctr"/>
-            <a:lstStyle/>
-            <a:p>
-              <a:pPr marL="0" marR="0" lvl="0" indent="0" algn="ctr" defTabSz="914400" eaLnBrk="1" fontAlgn="auto" latinLnBrk="0" hangingPunct="1">
-                <a:lnSpc>
-                  <a:spcPct val="100000"/>
-                </a:lnSpc>
-                <a:spcBef>
-                  <a:spcPts val="0"/>
-                </a:spcBef>
-                <a:spcAft>
-                  <a:spcPts val="0"/>
-                </a:spcAft>
-                <a:buClrTx/>
-                <a:buSzTx/>
-                <a:buFontTx/>
-                <a:buNone/>
-                <a:tabLst/>
-                <a:defRPr/>
-              </a:pPr>
-              <a:r>
-                <a:rPr kumimoji="0" lang="fr-FR" sz="1400" b="0" i="0" u="none" strike="noStrike" kern="0" cap="none" spc="0" normalizeH="0" baseline="0" noProof="0" dirty="0" smtClean="0">
-                  <a:ln>
-                    <a:noFill/>
-                  </a:ln>
-                  <a:solidFill>
-                    <a:prstClr val="black"/>
-                  </a:solidFill>
-                  <a:effectLst/>
-                  <a:uLnTx/>
-                  <a:uFillTx/>
-                  <a:latin typeface="Calibri"/>
-                  <a:ea typeface="+mn-ea"/>
-                  <a:cs typeface="+mn-cs"/>
-                </a:rPr>
-                <a:t>MODULER</a:t>
-              </a:r>
-            </a:p>
-          </p:txBody>
-        </p:sp>
-        <p:cxnSp>
-          <p:nvCxnSpPr>
-            <p:cNvPr id="56" name="Connecteur droit 55"/>
-            <p:cNvCxnSpPr>
-              <a:endCxn id="55" idx="1"/>
-            </p:cNvCxnSpPr>
-            <p:nvPr/>
-          </p:nvCxnSpPr>
-          <p:spPr>
-            <a:xfrm flipV="1">
-              <a:off x="2421835" y="3703083"/>
-              <a:ext cx="694931" cy="2787"/>
-            </a:xfrm>
-            <a:prstGeom prst="line">
-              <a:avLst/>
-            </a:prstGeom>
-            <a:noFill/>
-            <a:ln w="28575" cap="flat" cmpd="sng" algn="ctr">
-              <a:solidFill>
-                <a:srgbClr val="C0504D">
-                  <a:shade val="95000"/>
-                  <a:satMod val="105000"/>
-                </a:srgbClr>
-              </a:solidFill>
-              <a:prstDash val="solid"/>
-              <a:headEnd type="none" w="med" len="med"/>
-              <a:tailEnd type="arrow" w="med" len="med"/>
-            </a:ln>
-            <a:effectLst/>
-          </p:spPr>
-        </p:cxnSp>
-        <p:sp>
-          <p:nvSpPr>
-            <p:cNvPr id="57" name="Rectangle 56"/>
-            <p:cNvSpPr/>
-            <p:nvPr/>
-          </p:nvSpPr>
-          <p:spPr>
-            <a:xfrm>
-              <a:off x="5322688" y="3415083"/>
-              <a:ext cx="1440000" cy="576000"/>
-            </a:xfrm>
-            <a:prstGeom prst="rect">
-              <a:avLst/>
-            </a:prstGeom>
-            <a:solidFill>
-              <a:schemeClr val="accent2">
-                <a:lumMod val="40000"/>
-                <a:lumOff val="60000"/>
-              </a:schemeClr>
-            </a:solidFill>
-            <a:ln w="9525" cap="flat" cmpd="sng" algn="ctr">
-              <a:solidFill>
-                <a:srgbClr val="C0504D">
-                  <a:shade val="95000"/>
-                  <a:satMod val="105000"/>
-                </a:srgbClr>
-              </a:solidFill>
-              <a:prstDash val="solid"/>
-            </a:ln>
-            <a:effectLst>
-              <a:outerShdw blurRad="40000" dist="20000" dir="5400000" rotWithShape="0">
-                <a:srgbClr val="000000">
-                  <a:alpha val="38000"/>
-                </a:srgbClr>
-              </a:outerShdw>
-            </a:effectLst>
-          </p:spPr>
-          <p:txBody>
-            <a:bodyPr rtlCol="0" anchor="ctr"/>
-            <a:lstStyle/>
-            <a:p>
-              <a:pPr marL="0" marR="0" lvl="0" indent="0" algn="ctr" defTabSz="914400" eaLnBrk="1" fontAlgn="auto" latinLnBrk="0" hangingPunct="1">
-                <a:lnSpc>
-                  <a:spcPct val="100000"/>
-                </a:lnSpc>
-                <a:spcBef>
-                  <a:spcPts val="0"/>
-                </a:spcBef>
-                <a:spcAft>
-                  <a:spcPts val="0"/>
-                </a:spcAft>
-                <a:buClrTx/>
-                <a:buSzTx/>
-                <a:buFontTx/>
-                <a:buNone/>
-                <a:tabLst/>
-                <a:defRPr/>
-              </a:pPr>
-              <a:r>
-                <a:rPr kumimoji="0" lang="fr-FR" sz="1400" b="0" i="0" u="none" strike="noStrike" kern="0" cap="none" spc="0" normalizeH="0" baseline="0" noProof="0" dirty="0" smtClean="0">
-                  <a:ln>
-                    <a:noFill/>
-                  </a:ln>
-                  <a:solidFill>
-                    <a:prstClr val="black"/>
-                  </a:solidFill>
-                  <a:effectLst/>
-                  <a:uLnTx/>
-                  <a:uFillTx/>
-                  <a:latin typeface="Calibri"/>
-                  <a:ea typeface="+mn-ea"/>
-                  <a:cs typeface="+mn-cs"/>
-                </a:rPr>
-                <a:t>CONVERTIR</a:t>
-              </a:r>
-            </a:p>
-          </p:txBody>
-        </p:sp>
-        <p:sp>
-          <p:nvSpPr>
-            <p:cNvPr id="58" name="Rectangle 57"/>
-            <p:cNvSpPr/>
-            <p:nvPr/>
-          </p:nvSpPr>
-          <p:spPr>
-            <a:xfrm>
-              <a:off x="9663478" y="3415083"/>
-              <a:ext cx="1440000" cy="576000"/>
-            </a:xfrm>
-            <a:prstGeom prst="rect">
-              <a:avLst/>
-            </a:prstGeom>
-            <a:solidFill>
-              <a:schemeClr val="accent2">
-                <a:lumMod val="40000"/>
-                <a:lumOff val="60000"/>
-              </a:schemeClr>
-            </a:solidFill>
-            <a:ln w="9525" cap="flat" cmpd="sng" algn="ctr">
-              <a:solidFill>
-                <a:srgbClr val="C0504D">
-                  <a:shade val="95000"/>
-                  <a:satMod val="105000"/>
-                </a:srgbClr>
-              </a:solidFill>
-              <a:prstDash val="solid"/>
-            </a:ln>
-            <a:effectLst>
-              <a:outerShdw blurRad="40000" dist="20000" dir="5400000" rotWithShape="0">
-                <a:srgbClr val="000000">
-                  <a:alpha val="38000"/>
-                </a:srgbClr>
-              </a:outerShdw>
-            </a:effectLst>
-          </p:spPr>
-          <p:txBody>
-            <a:bodyPr rtlCol="0" anchor="ctr"/>
-            <a:lstStyle/>
-            <a:p>
-              <a:pPr marL="0" marR="0" lvl="0" indent="0" algn="ctr" defTabSz="914400" eaLnBrk="1" fontAlgn="auto" latinLnBrk="0" hangingPunct="1">
-                <a:lnSpc>
-                  <a:spcPct val="100000"/>
-                </a:lnSpc>
-                <a:spcBef>
-                  <a:spcPts val="0"/>
-                </a:spcBef>
-                <a:spcAft>
-                  <a:spcPts val="0"/>
-                </a:spcAft>
-                <a:buClrTx/>
-                <a:buSzTx/>
-                <a:buFontTx/>
-                <a:buNone/>
-                <a:tabLst/>
-                <a:defRPr/>
-              </a:pPr>
-              <a:r>
-                <a:rPr kumimoji="0" lang="fr-FR" sz="1400" b="0" i="0" u="none" strike="noStrike" kern="0" cap="none" spc="0" normalizeH="0" baseline="0" noProof="0" dirty="0" smtClean="0">
-                  <a:ln>
-                    <a:noFill/>
-                  </a:ln>
-                  <a:solidFill>
-                    <a:prstClr val="black"/>
-                  </a:solidFill>
-                  <a:effectLst/>
-                  <a:uLnTx/>
-                  <a:uFillTx/>
-                  <a:latin typeface="Calibri"/>
-                  <a:ea typeface="+mn-ea"/>
-                  <a:cs typeface="+mn-cs"/>
-                </a:rPr>
-                <a:t>AGIR</a:t>
-              </a:r>
-            </a:p>
-          </p:txBody>
-        </p:sp>
-        <p:cxnSp>
-          <p:nvCxnSpPr>
-            <p:cNvPr id="59" name="Connecteur droit 58"/>
-            <p:cNvCxnSpPr>
-              <a:endCxn id="58" idx="1"/>
-            </p:cNvCxnSpPr>
-            <p:nvPr/>
-          </p:nvCxnSpPr>
-          <p:spPr>
-            <a:xfrm>
-              <a:off x="8902554" y="3700296"/>
-              <a:ext cx="760924" cy="2787"/>
-            </a:xfrm>
-            <a:prstGeom prst="line">
-              <a:avLst/>
-            </a:prstGeom>
-            <a:noFill/>
-            <a:ln w="28575" cap="flat" cmpd="sng" algn="ctr">
-              <a:solidFill>
-                <a:srgbClr val="C0504D">
-                  <a:shade val="95000"/>
-                  <a:satMod val="105000"/>
-                </a:srgbClr>
-              </a:solidFill>
-              <a:prstDash val="solid"/>
-              <a:headEnd type="none" w="med" len="med"/>
-              <a:tailEnd type="arrow" w="med" len="med"/>
-            </a:ln>
-            <a:effectLst/>
-          </p:spPr>
-        </p:cxnSp>
-        <p:cxnSp>
-          <p:nvCxnSpPr>
-            <p:cNvPr id="60" name="Connecteur droit 59"/>
-            <p:cNvCxnSpPr/>
-            <p:nvPr/>
-          </p:nvCxnSpPr>
-          <p:spPr>
-            <a:xfrm>
-              <a:off x="-1910578" y="3697509"/>
-              <a:ext cx="720240" cy="2787"/>
-            </a:xfrm>
-            <a:prstGeom prst="line">
-              <a:avLst/>
-            </a:prstGeom>
-            <a:noFill/>
-            <a:ln w="28575" cap="flat" cmpd="sng" algn="ctr">
-              <a:solidFill>
-                <a:srgbClr val="C0504D">
-                  <a:shade val="95000"/>
-                  <a:satMod val="105000"/>
-                </a:srgbClr>
-              </a:solidFill>
-              <a:prstDash val="solid"/>
-              <a:headEnd type="none" w="med" len="med"/>
-              <a:tailEnd type="arrow" w="med" len="med"/>
-            </a:ln>
-            <a:effectLst/>
-          </p:spPr>
-        </p:cxnSp>
-      </p:grpSp>
-      <p:grpSp>
-        <p:nvGrpSpPr>
-          <p:cNvPr id="61" name="Groupe 60"/>
-          <p:cNvGrpSpPr/>
-          <p:nvPr/>
-        </p:nvGrpSpPr>
-        <p:grpSpPr>
-          <a:xfrm>
-            <a:off x="463753" y="116632"/>
-            <a:ext cx="8947498" cy="2315601"/>
-            <a:chOff x="-105086" y="-182746"/>
-            <a:chExt cx="8947498" cy="2315601"/>
-          </a:xfrm>
-          <a:solidFill>
-            <a:schemeClr val="accent1">
-              <a:lumMod val="20000"/>
-              <a:lumOff val="80000"/>
-            </a:schemeClr>
-          </a:solidFill>
-        </p:grpSpPr>
-        <p:sp>
-          <p:nvSpPr>
-            <p:cNvPr id="62" name="Rectangle à coins arrondis 61"/>
-            <p:cNvSpPr/>
-            <p:nvPr/>
-          </p:nvSpPr>
-          <p:spPr>
-            <a:xfrm>
-              <a:off x="-105086" y="-182746"/>
-              <a:ext cx="8564537" cy="2315601"/>
-            </a:xfrm>
-            <a:prstGeom prst="roundRect">
-              <a:avLst/>
-            </a:prstGeom>
-            <a:solidFill>
-              <a:schemeClr val="tx2">
-                <a:lumMod val="20000"/>
-                <a:lumOff val="80000"/>
-              </a:schemeClr>
-            </a:solidFill>
-            <a:ln w="25400" cap="flat" cmpd="sng" algn="ctr">
-              <a:solidFill>
-                <a:srgbClr val="4F81BD"/>
-              </a:solidFill>
-              <a:prstDash val="solid"/>
-            </a:ln>
-            <a:effectLst/>
-          </p:spPr>
-          <p:txBody>
-            <a:bodyPr rtlCol="0" anchor="t"/>
-            <a:lstStyle/>
-            <a:p>
-              <a:pPr marL="0" marR="0" lvl="0" indent="0" algn="ctr" defTabSz="914400" eaLnBrk="1" fontAlgn="auto" latinLnBrk="0" hangingPunct="1">
-                <a:lnSpc>
-                  <a:spcPct val="100000"/>
-                </a:lnSpc>
-                <a:spcBef>
-                  <a:spcPts val="0"/>
-                </a:spcBef>
-                <a:spcAft>
-                  <a:spcPts val="0"/>
-                </a:spcAft>
-                <a:buClrTx/>
-                <a:buSzTx/>
-                <a:buFontTx/>
-                <a:buNone/>
-                <a:tabLst/>
-                <a:defRPr/>
-              </a:pPr>
-              <a:r>
-                <a:rPr kumimoji="0" lang="fr-FR" sz="1400" b="0" i="1" u="none" strike="noStrike" kern="0" cap="none" spc="0" normalizeH="0" baseline="0" noProof="0" dirty="0" smtClean="0">
-                  <a:ln>
-                    <a:noFill/>
-                  </a:ln>
-                  <a:solidFill>
-                    <a:prstClr val="black"/>
-                  </a:solidFill>
-                  <a:effectLst/>
-                  <a:uLnTx/>
-                  <a:uFillTx/>
-                  <a:latin typeface="Calibri"/>
-                  <a:ea typeface="+mn-ea"/>
-                  <a:cs typeface="+mn-cs"/>
-                </a:rPr>
-                <a:t>Chaîne d’information</a:t>
-              </a:r>
-            </a:p>
-          </p:txBody>
-        </p:sp>
-        <p:grpSp>
-          <p:nvGrpSpPr>
-            <p:cNvPr id="63" name="Groupe 123"/>
-            <p:cNvGrpSpPr/>
-            <p:nvPr/>
-          </p:nvGrpSpPr>
-          <p:grpSpPr>
-            <a:xfrm>
-              <a:off x="135397" y="552192"/>
-              <a:ext cx="8707015" cy="1390312"/>
-              <a:chOff x="251520" y="552192"/>
-              <a:chExt cx="8707015" cy="1390312"/>
-            </a:xfrm>
-            <a:grpFill/>
-          </p:grpSpPr>
-          <p:sp>
-            <p:nvSpPr>
-              <p:cNvPr id="64" name="Rectangle 63"/>
-              <p:cNvSpPr/>
-              <p:nvPr/>
-            </p:nvSpPr>
-            <p:spPr>
-              <a:xfrm>
-                <a:off x="251520" y="552192"/>
-                <a:ext cx="1440000" cy="576000"/>
-              </a:xfrm>
-              <a:prstGeom prst="rect">
-                <a:avLst/>
-              </a:prstGeom>
-              <a:solidFill>
-                <a:schemeClr val="tx2">
-                  <a:lumMod val="40000"/>
-                  <a:lumOff val="60000"/>
-                </a:schemeClr>
-              </a:solidFill>
-              <a:ln w="9525" cap="flat" cmpd="sng" algn="ctr">
-                <a:solidFill>
-                  <a:srgbClr val="4F81BD">
-                    <a:shade val="95000"/>
-                    <a:satMod val="105000"/>
-                  </a:srgbClr>
-                </a:solidFill>
-                <a:prstDash val="solid"/>
-              </a:ln>
-              <a:effectLst>
-                <a:outerShdw blurRad="40000" dist="20000" dir="5400000" rotWithShape="0">
-                  <a:srgbClr val="000000">
-                    <a:alpha val="38000"/>
-                  </a:srgbClr>
-                </a:outerShdw>
-              </a:effectLst>
-            </p:spPr>
-            <p:txBody>
-              <a:bodyPr rtlCol="0" anchor="ctr"/>
-              <a:lstStyle/>
-              <a:p>
-                <a:pPr marL="0" marR="0" lvl="0" indent="0" algn="ctr" defTabSz="914400" eaLnBrk="1" fontAlgn="auto" latinLnBrk="0" hangingPunct="1">
-                  <a:lnSpc>
-                    <a:spcPct val="100000"/>
-                  </a:lnSpc>
-                  <a:spcBef>
-                    <a:spcPts val="0"/>
-                  </a:spcBef>
-                  <a:spcAft>
-                    <a:spcPts val="0"/>
-                  </a:spcAft>
-                  <a:buClrTx/>
-                  <a:buSzTx/>
-                  <a:buFontTx/>
-                  <a:buNone/>
-                  <a:tabLst/>
-                  <a:defRPr/>
-                </a:pPr>
-                <a:r>
-                  <a:rPr kumimoji="0" lang="fr-FR" sz="1400" b="0" i="0" u="none" strike="noStrike" kern="0" cap="none" spc="0" normalizeH="0" baseline="0" noProof="0" dirty="0" smtClean="0">
-                    <a:ln>
-                      <a:noFill/>
-                    </a:ln>
-                    <a:solidFill>
-                      <a:prstClr val="black"/>
-                    </a:solidFill>
-                    <a:effectLst/>
-                    <a:uLnTx/>
-                    <a:uFillTx/>
-                    <a:latin typeface="Calibri"/>
-                    <a:ea typeface="+mn-ea"/>
-                    <a:cs typeface="+mn-cs"/>
-                  </a:rPr>
-                  <a:t>ACQUERIR</a:t>
-                </a:r>
-              </a:p>
-            </p:txBody>
-          </p:sp>
-          <p:sp>
-            <p:nvSpPr>
-              <p:cNvPr id="65" name="Rectangle 64"/>
-              <p:cNvSpPr/>
-              <p:nvPr/>
-            </p:nvSpPr>
-            <p:spPr>
-              <a:xfrm>
-                <a:off x="4546691" y="552192"/>
-                <a:ext cx="1440000" cy="576000"/>
-              </a:xfrm>
-              <a:prstGeom prst="rect">
-                <a:avLst/>
-              </a:prstGeom>
-              <a:solidFill>
-                <a:schemeClr val="tx2">
-                  <a:lumMod val="40000"/>
-                  <a:lumOff val="60000"/>
-                </a:schemeClr>
-              </a:solidFill>
-              <a:ln w="9525" cap="flat" cmpd="sng" algn="ctr">
-                <a:solidFill>
-                  <a:srgbClr val="4F81BD">
-                    <a:shade val="95000"/>
-                    <a:satMod val="105000"/>
-                  </a:srgbClr>
-                </a:solidFill>
-                <a:prstDash val="solid"/>
-              </a:ln>
-              <a:effectLst>
-                <a:outerShdw blurRad="40000" dist="20000" dir="5400000" rotWithShape="0">
-                  <a:srgbClr val="000000">
-                    <a:alpha val="38000"/>
-                  </a:srgbClr>
-                </a:outerShdw>
-              </a:effectLst>
-            </p:spPr>
-            <p:txBody>
-              <a:bodyPr rtlCol="0" anchor="ctr"/>
-              <a:lstStyle/>
-              <a:p>
-                <a:pPr marL="0" marR="0" lvl="0" indent="0" algn="ctr" defTabSz="914400" eaLnBrk="1" fontAlgn="auto" latinLnBrk="0" hangingPunct="1">
-                  <a:lnSpc>
-                    <a:spcPct val="100000"/>
-                  </a:lnSpc>
-                  <a:spcBef>
-                    <a:spcPts val="0"/>
-                  </a:spcBef>
-                  <a:spcAft>
-                    <a:spcPts val="0"/>
-                  </a:spcAft>
-                  <a:buClrTx/>
-                  <a:buSzTx/>
-                  <a:buFontTx/>
-                  <a:buNone/>
-                  <a:tabLst/>
-                  <a:defRPr/>
-                </a:pPr>
-                <a:r>
-                  <a:rPr kumimoji="0" lang="fr-FR" sz="1400" b="0" i="0" u="none" strike="noStrike" kern="0" cap="none" spc="0" normalizeH="0" baseline="0" noProof="0" dirty="0" smtClean="0">
-                    <a:ln>
-                      <a:noFill/>
-                    </a:ln>
-                    <a:solidFill>
-                      <a:prstClr val="black"/>
-                    </a:solidFill>
-                    <a:effectLst/>
-                    <a:uLnTx/>
-                    <a:uFillTx/>
-                    <a:latin typeface="Calibri"/>
-                    <a:ea typeface="+mn-ea"/>
-                    <a:cs typeface="+mn-cs"/>
-                  </a:rPr>
-                  <a:t>TRAITER</a:t>
-                </a:r>
-              </a:p>
-              <a:p>
-                <a:pPr marL="0" marR="0" lvl="0" indent="0" algn="ctr" defTabSz="914400" eaLnBrk="1" fontAlgn="auto" latinLnBrk="0" hangingPunct="1">
-                  <a:lnSpc>
-                    <a:spcPct val="100000"/>
-                  </a:lnSpc>
-                  <a:spcBef>
-                    <a:spcPts val="0"/>
-                  </a:spcBef>
-                  <a:spcAft>
-                    <a:spcPts val="0"/>
-                  </a:spcAft>
-                  <a:buClrTx/>
-                  <a:buSzTx/>
-                  <a:buFontTx/>
-                  <a:buNone/>
-                  <a:tabLst/>
-                  <a:defRPr/>
-                </a:pPr>
-                <a:r>
-                  <a:rPr lang="fr-FR" sz="1400" kern="0" dirty="0" smtClean="0">
-                    <a:solidFill>
-                      <a:prstClr val="black"/>
-                    </a:solidFill>
-                    <a:latin typeface="Calibri"/>
-                  </a:rPr>
-                  <a:t>MEMORISER</a:t>
-                </a:r>
-                <a:endParaRPr kumimoji="0" lang="fr-FR" sz="1400" b="0" i="0" u="none" strike="noStrike" kern="0" cap="none" spc="0" normalizeH="0" baseline="0" noProof="0" dirty="0" smtClean="0">
-                  <a:ln>
-                    <a:noFill/>
-                  </a:ln>
-                  <a:solidFill>
-                    <a:prstClr val="black"/>
-                  </a:solidFill>
-                  <a:effectLst/>
-                  <a:uLnTx/>
-                  <a:uFillTx/>
-                  <a:latin typeface="Calibri"/>
-                  <a:ea typeface="+mn-ea"/>
-                  <a:cs typeface="+mn-cs"/>
-                </a:endParaRPr>
-              </a:p>
-            </p:txBody>
-          </p:sp>
-          <p:sp>
-            <p:nvSpPr>
-              <p:cNvPr id="66" name="Rectangle 65"/>
-              <p:cNvSpPr/>
-              <p:nvPr/>
-            </p:nvSpPr>
-            <p:spPr>
-              <a:xfrm>
-                <a:off x="6752613" y="1366504"/>
-                <a:ext cx="1440000" cy="576000"/>
-              </a:xfrm>
-              <a:prstGeom prst="rect">
-                <a:avLst/>
-              </a:prstGeom>
-              <a:solidFill>
-                <a:schemeClr val="tx2">
-                  <a:lumMod val="40000"/>
-                  <a:lumOff val="60000"/>
-                </a:schemeClr>
-              </a:solidFill>
-              <a:ln w="9525" cap="flat" cmpd="sng" algn="ctr">
-                <a:solidFill>
-                  <a:srgbClr val="4F81BD">
-                    <a:shade val="95000"/>
-                    <a:satMod val="105000"/>
-                  </a:srgbClr>
-                </a:solidFill>
-                <a:prstDash val="solid"/>
-              </a:ln>
-              <a:effectLst>
-                <a:outerShdw blurRad="40000" dist="20000" dir="5400000" rotWithShape="0">
-                  <a:srgbClr val="000000">
-                    <a:alpha val="38000"/>
-                  </a:srgbClr>
-                </a:outerShdw>
-              </a:effectLst>
-            </p:spPr>
-            <p:txBody>
-              <a:bodyPr rtlCol="0" anchor="ctr"/>
-              <a:lstStyle/>
-              <a:p>
-                <a:pPr marL="0" marR="0" lvl="0" indent="0" algn="ctr" defTabSz="914400" eaLnBrk="1" fontAlgn="auto" latinLnBrk="0" hangingPunct="1">
-                  <a:lnSpc>
-                    <a:spcPct val="100000"/>
-                  </a:lnSpc>
-                  <a:spcBef>
-                    <a:spcPts val="0"/>
-                  </a:spcBef>
-                  <a:spcAft>
-                    <a:spcPts val="0"/>
-                  </a:spcAft>
-                  <a:buClrTx/>
-                  <a:buSzTx/>
-                  <a:buFontTx/>
-                  <a:buNone/>
-                  <a:tabLst/>
-                  <a:defRPr/>
-                </a:pPr>
-                <a:r>
-                  <a:rPr kumimoji="0" lang="fr-FR" sz="1400" b="0" i="0" u="none" strike="noStrike" kern="0" cap="none" spc="0" normalizeH="0" baseline="0" noProof="0" dirty="0" smtClean="0">
-                    <a:ln>
-                      <a:noFill/>
-                    </a:ln>
-                    <a:solidFill>
-                      <a:prstClr val="black"/>
-                    </a:solidFill>
-                    <a:effectLst/>
-                    <a:uLnTx/>
-                    <a:uFillTx/>
-                    <a:latin typeface="Calibri"/>
-                    <a:ea typeface="+mn-ea"/>
-                    <a:cs typeface="+mn-cs"/>
-                  </a:rPr>
-                  <a:t>COMMUNIQUER</a:t>
-                </a:r>
-              </a:p>
-            </p:txBody>
-          </p:sp>
-          <p:cxnSp>
-            <p:nvCxnSpPr>
-              <p:cNvPr id="67" name="Connecteur droit avec flèche 66"/>
-              <p:cNvCxnSpPr>
-                <a:stCxn id="64" idx="3"/>
-                <a:endCxn id="69" idx="1"/>
-              </p:cNvCxnSpPr>
-              <p:nvPr/>
-            </p:nvCxnSpPr>
-            <p:spPr>
-              <a:xfrm>
-                <a:off x="1691520" y="840192"/>
-                <a:ext cx="720240" cy="0"/>
-              </a:xfrm>
-              <a:prstGeom prst="straightConnector1">
-                <a:avLst/>
-              </a:prstGeom>
-              <a:grpFill/>
-              <a:ln w="28575" cap="flat" cmpd="sng" algn="ctr">
-                <a:solidFill>
-                  <a:srgbClr val="4F81BD">
-                    <a:shade val="95000"/>
-                    <a:satMod val="105000"/>
-                  </a:srgbClr>
-                </a:solidFill>
-                <a:prstDash val="solid"/>
-                <a:tailEnd type="arrow"/>
-              </a:ln>
-              <a:effectLst/>
-            </p:spPr>
-          </p:cxnSp>
-          <p:cxnSp>
-            <p:nvCxnSpPr>
-              <p:cNvPr id="68" name="Connecteur droit avec flèche 67"/>
-              <p:cNvCxnSpPr/>
-              <p:nvPr/>
-            </p:nvCxnSpPr>
-            <p:spPr>
-              <a:xfrm>
-                <a:off x="5986691" y="692696"/>
-                <a:ext cx="765922" cy="0"/>
-              </a:xfrm>
-              <a:prstGeom prst="straightConnector1">
-                <a:avLst/>
-              </a:prstGeom>
-              <a:grpFill/>
-              <a:ln w="28575" cap="flat" cmpd="sng" algn="ctr">
-                <a:solidFill>
-                  <a:srgbClr val="4F81BD">
-                    <a:shade val="95000"/>
-                    <a:satMod val="105000"/>
-                  </a:srgbClr>
-                </a:solidFill>
-                <a:prstDash val="solid"/>
-                <a:tailEnd type="arrow"/>
-              </a:ln>
-              <a:effectLst/>
-            </p:spPr>
-          </p:cxnSp>
-          <p:sp>
-            <p:nvSpPr>
-              <p:cNvPr id="69" name="Rectangle 68"/>
-              <p:cNvSpPr/>
-              <p:nvPr/>
-            </p:nvSpPr>
-            <p:spPr>
-              <a:xfrm>
-                <a:off x="2411760" y="552192"/>
-                <a:ext cx="1440000" cy="576000"/>
-              </a:xfrm>
-              <a:prstGeom prst="rect">
-                <a:avLst/>
-              </a:prstGeom>
-              <a:solidFill>
-                <a:schemeClr val="tx2">
-                  <a:lumMod val="40000"/>
-                  <a:lumOff val="60000"/>
-                </a:schemeClr>
-              </a:solidFill>
-              <a:ln w="9525" cap="flat" cmpd="sng" algn="ctr">
-                <a:solidFill>
-                  <a:srgbClr val="4F81BD">
-                    <a:shade val="95000"/>
-                    <a:satMod val="105000"/>
-                  </a:srgbClr>
-                </a:solidFill>
-                <a:prstDash val="solid"/>
-              </a:ln>
-              <a:effectLst>
-                <a:outerShdw blurRad="40000" dist="20000" dir="5400000" rotWithShape="0">
-                  <a:srgbClr val="000000">
-                    <a:alpha val="38000"/>
-                  </a:srgbClr>
-                </a:outerShdw>
-              </a:effectLst>
-            </p:spPr>
-            <p:txBody>
-              <a:bodyPr rtlCol="0" anchor="ctr"/>
-              <a:lstStyle/>
-              <a:p>
-                <a:pPr marL="0" marR="0" lvl="0" indent="0" algn="ctr" defTabSz="914400" eaLnBrk="1" fontAlgn="auto" latinLnBrk="0" hangingPunct="1">
-                  <a:lnSpc>
-                    <a:spcPct val="100000"/>
-                  </a:lnSpc>
-                  <a:spcBef>
-                    <a:spcPts val="0"/>
-                  </a:spcBef>
-                  <a:spcAft>
-                    <a:spcPts val="0"/>
-                  </a:spcAft>
-                  <a:buClrTx/>
-                  <a:buSzTx/>
-                  <a:buFontTx/>
-                  <a:buNone/>
-                  <a:tabLst/>
-                  <a:defRPr/>
-                </a:pPr>
-                <a:r>
-                  <a:rPr kumimoji="0" lang="fr-FR" sz="1400" b="0" i="0" u="none" strike="noStrike" kern="0" cap="none" spc="0" normalizeH="0" baseline="0" noProof="0" dirty="0" smtClean="0">
-                    <a:ln>
-                      <a:noFill/>
-                    </a:ln>
-                    <a:solidFill>
-                      <a:prstClr val="black"/>
-                    </a:solidFill>
-                    <a:effectLst/>
-                    <a:uLnTx/>
-                    <a:uFillTx/>
-                    <a:latin typeface="Calibri"/>
-                    <a:ea typeface="+mn-ea"/>
-                    <a:cs typeface="+mn-cs"/>
-                  </a:rPr>
-                  <a:t>CODER</a:t>
-                </a:r>
-              </a:p>
-            </p:txBody>
-          </p:sp>
-          <p:cxnSp>
-            <p:nvCxnSpPr>
-              <p:cNvPr id="70" name="Connecteur droit avec flèche 69"/>
-              <p:cNvCxnSpPr>
-                <a:stCxn id="69" idx="3"/>
-                <a:endCxn id="65" idx="1"/>
-              </p:cNvCxnSpPr>
-              <p:nvPr/>
-            </p:nvCxnSpPr>
-            <p:spPr>
-              <a:xfrm>
-                <a:off x="3851760" y="840192"/>
-                <a:ext cx="694931" cy="0"/>
-              </a:xfrm>
-              <a:prstGeom prst="straightConnector1">
-                <a:avLst/>
-              </a:prstGeom>
-              <a:grpFill/>
-              <a:ln w="28575" cap="flat" cmpd="sng" algn="ctr">
-                <a:solidFill>
-                  <a:srgbClr val="4F81BD">
-                    <a:shade val="95000"/>
-                    <a:satMod val="105000"/>
-                  </a:srgbClr>
-                </a:solidFill>
-                <a:prstDash val="solid"/>
-                <a:tailEnd type="arrow"/>
-              </a:ln>
-              <a:effectLst/>
-            </p:spPr>
-          </p:cxnSp>
-          <p:sp>
-            <p:nvSpPr>
-              <p:cNvPr id="71" name="Rectangle 70"/>
-              <p:cNvSpPr/>
-              <p:nvPr/>
-            </p:nvSpPr>
-            <p:spPr>
-              <a:xfrm>
-                <a:off x="6752613" y="559526"/>
-                <a:ext cx="1440000" cy="576000"/>
-              </a:xfrm>
-              <a:prstGeom prst="rect">
-                <a:avLst/>
-              </a:prstGeom>
-              <a:solidFill>
-                <a:schemeClr val="tx2">
-                  <a:lumMod val="40000"/>
-                  <a:lumOff val="60000"/>
-                </a:schemeClr>
-              </a:solidFill>
-              <a:ln w="9525" cap="flat" cmpd="sng" algn="ctr">
-                <a:solidFill>
-                  <a:srgbClr val="4F81BD">
-                    <a:shade val="95000"/>
-                    <a:satMod val="105000"/>
-                  </a:srgbClr>
-                </a:solidFill>
-                <a:prstDash val="solid"/>
-              </a:ln>
-              <a:effectLst>
-                <a:outerShdw blurRad="40000" dist="20000" dir="5400000" rotWithShape="0">
-                  <a:srgbClr val="000000">
-                    <a:alpha val="38000"/>
-                  </a:srgbClr>
-                </a:outerShdw>
-              </a:effectLst>
-            </p:spPr>
-            <p:txBody>
-              <a:bodyPr rtlCol="0" anchor="ctr"/>
-              <a:lstStyle/>
-              <a:p>
-                <a:pPr marL="0" marR="0" lvl="0" indent="0" algn="ctr" defTabSz="914400" eaLnBrk="1" fontAlgn="auto" latinLnBrk="0" hangingPunct="1">
-                  <a:lnSpc>
-                    <a:spcPct val="100000"/>
-                  </a:lnSpc>
-                  <a:spcBef>
-                    <a:spcPts val="0"/>
-                  </a:spcBef>
-                  <a:spcAft>
-                    <a:spcPts val="0"/>
-                  </a:spcAft>
-                  <a:buClrTx/>
-                  <a:buSzTx/>
-                  <a:buFontTx/>
-                  <a:buNone/>
-                  <a:tabLst/>
-                  <a:defRPr/>
-                </a:pPr>
-                <a:r>
-                  <a:rPr lang="fr-FR" sz="1400" kern="0" dirty="0" smtClean="0">
-                    <a:solidFill>
-                      <a:prstClr val="black"/>
-                    </a:solidFill>
-                    <a:latin typeface="Calibri"/>
-                  </a:rPr>
-                  <a:t>RESTITUER</a:t>
-                </a:r>
-                <a:endParaRPr kumimoji="0" lang="fr-FR" sz="1400" b="0" i="0" u="none" strike="noStrike" kern="0" cap="none" spc="0" normalizeH="0" baseline="0" noProof="0" dirty="0" smtClean="0">
-                  <a:ln>
-                    <a:noFill/>
-                  </a:ln>
-                  <a:solidFill>
-                    <a:prstClr val="black"/>
-                  </a:solidFill>
-                  <a:effectLst/>
-                  <a:uLnTx/>
-                  <a:uFillTx/>
-                  <a:latin typeface="Calibri"/>
-                  <a:ea typeface="+mn-ea"/>
-                  <a:cs typeface="+mn-cs"/>
-                </a:endParaRPr>
-              </a:p>
-            </p:txBody>
-          </p:sp>
-          <p:cxnSp>
-            <p:nvCxnSpPr>
-              <p:cNvPr id="72" name="Connecteur droit avec flèche 71"/>
-              <p:cNvCxnSpPr>
-                <a:endCxn id="66" idx="1"/>
-              </p:cNvCxnSpPr>
-              <p:nvPr/>
-            </p:nvCxnSpPr>
-            <p:spPr>
-              <a:xfrm>
-                <a:off x="6369652" y="1654504"/>
-                <a:ext cx="382961" cy="0"/>
-              </a:xfrm>
-              <a:prstGeom prst="straightConnector1">
-                <a:avLst/>
-              </a:prstGeom>
-              <a:grpFill/>
-              <a:ln w="28575" cap="flat" cmpd="sng" algn="ctr">
-                <a:solidFill>
-                  <a:srgbClr val="4F81BD">
-                    <a:shade val="95000"/>
-                    <a:satMod val="105000"/>
-                  </a:srgbClr>
-                </a:solidFill>
-                <a:prstDash val="solid"/>
-                <a:tailEnd type="arrow"/>
-              </a:ln>
-              <a:effectLst/>
-            </p:spPr>
-          </p:cxnSp>
-          <p:cxnSp>
-            <p:nvCxnSpPr>
-              <p:cNvPr id="73" name="Connecteur droit avec flèche 72"/>
-              <p:cNvCxnSpPr/>
-              <p:nvPr/>
-            </p:nvCxnSpPr>
-            <p:spPr>
-              <a:xfrm flipH="1" flipV="1">
-                <a:off x="6369652" y="980728"/>
-                <a:ext cx="1" cy="673776"/>
-              </a:xfrm>
-              <a:prstGeom prst="straightConnector1">
-                <a:avLst/>
-              </a:prstGeom>
-              <a:grpFill/>
-              <a:ln w="28575" cap="flat" cmpd="sng" algn="ctr">
-                <a:solidFill>
-                  <a:srgbClr val="4F81BD">
-                    <a:shade val="95000"/>
-                    <a:satMod val="105000"/>
-                  </a:srgbClr>
-                </a:solidFill>
-                <a:prstDash val="solid"/>
-                <a:headEnd type="none" w="med" len="med"/>
-                <a:tailEnd type="none" w="med" len="med"/>
-              </a:ln>
-              <a:effectLst/>
-            </p:spPr>
-          </p:cxnSp>
-          <p:cxnSp>
-            <p:nvCxnSpPr>
-              <p:cNvPr id="74" name="Connecteur droit avec flèche 73"/>
-              <p:cNvCxnSpPr/>
-              <p:nvPr/>
-            </p:nvCxnSpPr>
-            <p:spPr>
-              <a:xfrm flipH="1">
-                <a:off x="5986692" y="980728"/>
-                <a:ext cx="382960" cy="0"/>
-              </a:xfrm>
-              <a:prstGeom prst="straightConnector1">
-                <a:avLst/>
-              </a:prstGeom>
-              <a:grpFill/>
-              <a:ln w="28575" cap="flat" cmpd="sng" algn="ctr">
-                <a:solidFill>
-                  <a:srgbClr val="4F81BD">
-                    <a:shade val="95000"/>
-                    <a:satMod val="105000"/>
-                  </a:srgbClr>
-                </a:solidFill>
-                <a:prstDash val="solid"/>
-                <a:tailEnd type="arrow"/>
-              </a:ln>
-              <a:effectLst/>
-            </p:spPr>
-          </p:cxnSp>
-          <p:cxnSp>
-            <p:nvCxnSpPr>
-              <p:cNvPr id="75" name="Connecteur droit avec flèche 74"/>
-              <p:cNvCxnSpPr/>
-              <p:nvPr/>
-            </p:nvCxnSpPr>
-            <p:spPr>
-              <a:xfrm>
-                <a:off x="8192613" y="847526"/>
-                <a:ext cx="765922" cy="0"/>
-              </a:xfrm>
-              <a:prstGeom prst="straightConnector1">
-                <a:avLst/>
-              </a:prstGeom>
-              <a:grpFill/>
-              <a:ln w="28575" cap="flat" cmpd="sng" algn="ctr">
-                <a:solidFill>
-                  <a:srgbClr val="4F81BD">
-                    <a:shade val="95000"/>
-                    <a:satMod val="105000"/>
-                  </a:srgbClr>
-                </a:solidFill>
-                <a:prstDash val="solid"/>
-                <a:tailEnd type="arrow"/>
-              </a:ln>
-              <a:effectLst/>
-            </p:spPr>
-          </p:cxnSp>
-          <p:cxnSp>
-            <p:nvCxnSpPr>
-              <p:cNvPr id="76" name="Connecteur droit avec flèche 75"/>
-              <p:cNvCxnSpPr>
-                <a:stCxn id="66" idx="3"/>
-              </p:cNvCxnSpPr>
-              <p:nvPr/>
-            </p:nvCxnSpPr>
-            <p:spPr>
-              <a:xfrm>
-                <a:off x="8192613" y="1654504"/>
-                <a:ext cx="765922" cy="0"/>
-              </a:xfrm>
-              <a:prstGeom prst="straightConnector1">
-                <a:avLst/>
-              </a:prstGeom>
-              <a:grpFill/>
-              <a:ln w="28575" cap="flat" cmpd="sng" algn="ctr">
-                <a:solidFill>
-                  <a:srgbClr val="4F81BD">
-                    <a:shade val="95000"/>
-                    <a:satMod val="105000"/>
-                  </a:srgbClr>
-                </a:solidFill>
-                <a:prstDash val="solid"/>
-                <a:headEnd type="arrow"/>
-                <a:tailEnd type="arrow"/>
-              </a:ln>
-              <a:effectLst/>
-            </p:spPr>
-          </p:cxnSp>
-        </p:grpSp>
-      </p:grpSp>
-      <p:sp>
-        <p:nvSpPr>
-          <p:cNvPr id="77" name="ZoneTexte 76"/>
-          <p:cNvSpPr txBox="1"/>
-          <p:nvPr/>
-        </p:nvSpPr>
-        <p:spPr>
-          <a:xfrm>
-            <a:off x="9411251" y="916071"/>
-            <a:ext cx="1884488" cy="461665"/>
-          </a:xfrm>
-          <a:prstGeom prst="rect">
-            <a:avLst/>
-          </a:prstGeom>
-          <a:noFill/>
-        </p:spPr>
-        <p:txBody>
-          <a:bodyPr wrap="square" rtlCol="0">
-            <a:spAutoFit/>
-          </a:bodyPr>
-          <a:lstStyle/>
-          <a:p>
-            <a:r>
-              <a:rPr lang="fr-FR" sz="1200" b="1" i="1" dirty="0" smtClean="0">
-                <a:solidFill>
-                  <a:schemeClr val="tx2"/>
-                </a:solidFill>
-              </a:rPr>
-              <a:t>Informations destinées  l’utilisateur</a:t>
-            </a:r>
-            <a:endParaRPr lang="fr-FR" sz="1200" b="1" i="1" dirty="0">
-              <a:solidFill>
-                <a:schemeClr val="tx2"/>
-              </a:solidFill>
-            </a:endParaRPr>
-          </a:p>
-        </p:txBody>
-      </p:sp>
-      <p:sp>
-        <p:nvSpPr>
-          <p:cNvPr id="78" name="ZoneTexte 77"/>
-          <p:cNvSpPr txBox="1"/>
-          <p:nvPr/>
-        </p:nvSpPr>
-        <p:spPr>
-          <a:xfrm>
-            <a:off x="9411251" y="1723049"/>
-            <a:ext cx="1884488" cy="461665"/>
-          </a:xfrm>
-          <a:prstGeom prst="rect">
-            <a:avLst/>
-          </a:prstGeom>
-          <a:noFill/>
-        </p:spPr>
-        <p:txBody>
-          <a:bodyPr wrap="square" rtlCol="0">
-            <a:spAutoFit/>
-          </a:bodyPr>
-          <a:lstStyle/>
-          <a:p>
-            <a:r>
-              <a:rPr lang="fr-FR" sz="1200" b="1" i="1" dirty="0" smtClean="0">
-                <a:solidFill>
-                  <a:schemeClr val="tx2"/>
-                </a:solidFill>
-              </a:rPr>
-              <a:t>Informations issues et venant de l’extérieur</a:t>
-            </a:r>
-            <a:endParaRPr lang="fr-FR" sz="1200" b="1" i="1" dirty="0">
-              <a:solidFill>
-                <a:schemeClr val="tx2"/>
-              </a:solidFill>
-            </a:endParaRPr>
-          </a:p>
-        </p:txBody>
-      </p:sp>
-      <p:sp>
-        <p:nvSpPr>
-          <p:cNvPr id="79" name="ZoneTexte 78"/>
-          <p:cNvSpPr txBox="1"/>
-          <p:nvPr/>
-        </p:nvSpPr>
-        <p:spPr>
-          <a:xfrm>
-            <a:off x="-1178405" y="764704"/>
-            <a:ext cx="1370667" cy="461665"/>
-          </a:xfrm>
-          <a:prstGeom prst="rect">
-            <a:avLst/>
-          </a:prstGeom>
-          <a:noFill/>
-        </p:spPr>
-        <p:txBody>
-          <a:bodyPr wrap="square" rtlCol="0">
-            <a:spAutoFit/>
-          </a:bodyPr>
-          <a:lstStyle/>
-          <a:p>
-            <a:r>
-              <a:rPr lang="fr-FR" sz="1200" b="1" i="1" dirty="0" smtClean="0">
-                <a:solidFill>
-                  <a:schemeClr val="tx2"/>
-                </a:solidFill>
-              </a:rPr>
-              <a:t>Consignes de l’utilisateur</a:t>
-            </a:r>
-            <a:endParaRPr lang="fr-FR" sz="1200" b="1" i="1" dirty="0">
-              <a:solidFill>
-                <a:schemeClr val="tx2"/>
-              </a:solidFill>
-            </a:endParaRPr>
-          </a:p>
-        </p:txBody>
-      </p:sp>
-      <p:cxnSp>
-        <p:nvCxnSpPr>
-          <p:cNvPr id="80" name="Connecteur droit avec flèche 79"/>
-          <p:cNvCxnSpPr>
-            <a:stCxn id="79" idx="3"/>
-          </p:cNvCxnSpPr>
-          <p:nvPr/>
-        </p:nvCxnSpPr>
-        <p:spPr>
-          <a:xfrm>
-            <a:off x="192262" y="995537"/>
-            <a:ext cx="511974" cy="0"/>
-          </a:xfrm>
-          <a:prstGeom prst="straightConnector1">
-            <a:avLst/>
-          </a:prstGeom>
-          <a:noFill/>
-          <a:ln w="28575" cap="flat" cmpd="sng" algn="ctr">
-            <a:solidFill>
-              <a:srgbClr val="4F81BD">
-                <a:shade val="95000"/>
-                <a:satMod val="105000"/>
-              </a:srgbClr>
-            </a:solidFill>
-            <a:prstDash val="solid"/>
-            <a:tailEnd type="arrow"/>
-          </a:ln>
-          <a:effectLst/>
-        </p:spPr>
-      </p:cxnSp>
-      <p:cxnSp>
-        <p:nvCxnSpPr>
-          <p:cNvPr id="81" name="Connecteur droit 80"/>
-          <p:cNvCxnSpPr/>
-          <p:nvPr/>
-        </p:nvCxnSpPr>
-        <p:spPr>
-          <a:xfrm>
-            <a:off x="192262" y="1277319"/>
-            <a:ext cx="518476" cy="1"/>
-          </a:xfrm>
-          <a:prstGeom prst="line">
-            <a:avLst/>
-          </a:prstGeom>
-          <a:noFill/>
-          <a:ln w="28575" cap="flat" cmpd="sng" algn="ctr">
-            <a:solidFill>
-              <a:schemeClr val="accent1"/>
-            </a:solidFill>
-            <a:prstDash val="solid"/>
-            <a:headEnd type="none" w="med" len="med"/>
-            <a:tailEnd type="arrow" w="med" len="med"/>
-          </a:ln>
-          <a:effectLst/>
-        </p:spPr>
-      </p:cxnSp>
-      <p:cxnSp>
-        <p:nvCxnSpPr>
-          <p:cNvPr id="82" name="Connecteur droit 81"/>
-          <p:cNvCxnSpPr/>
-          <p:nvPr/>
-        </p:nvCxnSpPr>
-        <p:spPr>
-          <a:xfrm flipV="1">
-            <a:off x="192262" y="1277319"/>
-            <a:ext cx="0" cy="1500821"/>
-          </a:xfrm>
-          <a:prstGeom prst="line">
-            <a:avLst/>
-          </a:prstGeom>
-          <a:noFill/>
-          <a:ln w="28575" cap="flat" cmpd="sng" algn="ctr">
-            <a:solidFill>
-              <a:schemeClr val="accent1"/>
-            </a:solidFill>
-            <a:prstDash val="solid"/>
-            <a:headEnd type="none" w="med" len="med"/>
-            <a:tailEnd type="none" w="med" len="med"/>
-          </a:ln>
-          <a:effectLst/>
-        </p:spPr>
-      </p:cxnSp>
-      <p:cxnSp>
-        <p:nvCxnSpPr>
-          <p:cNvPr id="83" name="Connecteur droit 82"/>
-          <p:cNvCxnSpPr/>
-          <p:nvPr/>
-        </p:nvCxnSpPr>
-        <p:spPr>
-          <a:xfrm>
-            <a:off x="192262" y="2778140"/>
-            <a:ext cx="2924504" cy="0"/>
-          </a:xfrm>
-          <a:prstGeom prst="line">
-            <a:avLst/>
-          </a:prstGeom>
-          <a:noFill/>
-          <a:ln w="28575" cap="flat" cmpd="sng" algn="ctr">
-            <a:solidFill>
-              <a:schemeClr val="accent1"/>
-            </a:solidFill>
-            <a:prstDash val="solid"/>
-            <a:headEnd type="none" w="med" len="med"/>
-            <a:tailEnd type="none" w="med" len="med"/>
-          </a:ln>
-          <a:effectLst/>
-        </p:spPr>
-      </p:cxnSp>
-      <p:cxnSp>
-        <p:nvCxnSpPr>
-          <p:cNvPr id="84" name="Connecteur droit 83"/>
-          <p:cNvCxnSpPr/>
-          <p:nvPr/>
-        </p:nvCxnSpPr>
-        <p:spPr>
-          <a:xfrm flipV="1">
-            <a:off x="3116766" y="2778141"/>
-            <a:ext cx="0" cy="342479"/>
-          </a:xfrm>
-          <a:prstGeom prst="line">
-            <a:avLst/>
-          </a:prstGeom>
-          <a:noFill/>
-          <a:ln w="28575" cap="flat" cmpd="sng" algn="ctr">
-            <a:solidFill>
-              <a:schemeClr val="accent1"/>
-            </a:solidFill>
-            <a:prstDash val="solid"/>
-            <a:headEnd type="none" w="med" len="med"/>
-            <a:tailEnd type="none" w="med" len="med"/>
-          </a:ln>
-          <a:effectLst/>
-        </p:spPr>
-      </p:cxnSp>
-      <p:cxnSp>
-        <p:nvCxnSpPr>
-          <p:cNvPr id="85" name="Connecteur droit avec flèche 84"/>
-          <p:cNvCxnSpPr/>
-          <p:nvPr/>
-        </p:nvCxnSpPr>
-        <p:spPr>
-          <a:xfrm flipV="1">
-            <a:off x="7925329" y="2274918"/>
-            <a:ext cx="1" cy="503224"/>
-          </a:xfrm>
-          <a:prstGeom prst="straightConnector1">
-            <a:avLst/>
-          </a:prstGeom>
-          <a:noFill/>
-          <a:ln w="28575" cap="flat" cmpd="sng" algn="ctr">
-            <a:solidFill>
-              <a:srgbClr val="4F81BD">
-                <a:shade val="95000"/>
-                <a:satMod val="105000"/>
-              </a:srgbClr>
-            </a:solidFill>
-            <a:prstDash val="solid"/>
-            <a:headEnd type="none" w="med" len="med"/>
-            <a:tailEnd type="none" w="med" len="med"/>
-          </a:ln>
-          <a:effectLst/>
-        </p:spPr>
-      </p:cxnSp>
-      <p:cxnSp>
-        <p:nvCxnSpPr>
-          <p:cNvPr id="86" name="Connecteur droit avec flèche 85"/>
-          <p:cNvCxnSpPr>
-            <a:endCxn id="55" idx="0"/>
-          </p:cNvCxnSpPr>
-          <p:nvPr/>
-        </p:nvCxnSpPr>
-        <p:spPr>
-          <a:xfrm>
-            <a:off x="3836766" y="2778141"/>
-            <a:ext cx="0" cy="636942"/>
-          </a:xfrm>
-          <a:prstGeom prst="straightConnector1">
-            <a:avLst/>
-          </a:prstGeom>
-          <a:noFill/>
-          <a:ln w="28575" cap="flat" cmpd="sng" algn="ctr">
-            <a:solidFill>
-              <a:srgbClr val="4F81BD">
-                <a:shade val="95000"/>
-                <a:satMod val="105000"/>
-              </a:srgbClr>
-            </a:solidFill>
-            <a:prstDash val="solid"/>
-            <a:tailEnd type="arrow"/>
-          </a:ln>
-          <a:effectLst/>
-        </p:spPr>
-      </p:cxnSp>
-      <p:cxnSp>
-        <p:nvCxnSpPr>
-          <p:cNvPr id="87" name="Connecteur droit avec flèche 86"/>
-          <p:cNvCxnSpPr/>
-          <p:nvPr/>
-        </p:nvCxnSpPr>
-        <p:spPr>
-          <a:xfrm flipV="1">
-            <a:off x="3836766" y="2778140"/>
-            <a:ext cx="4088563" cy="2"/>
-          </a:xfrm>
-          <a:prstGeom prst="straightConnector1">
-            <a:avLst/>
-          </a:prstGeom>
-          <a:noFill/>
-          <a:ln w="28575" cap="flat" cmpd="sng" algn="ctr">
-            <a:solidFill>
-              <a:srgbClr val="4F81BD">
-                <a:shade val="95000"/>
-                <a:satMod val="105000"/>
-              </a:srgbClr>
-            </a:solidFill>
-            <a:prstDash val="solid"/>
-            <a:headEnd type="none" w="med" len="med"/>
-            <a:tailEnd type="none" w="med" len="med"/>
-          </a:ln>
-          <a:effectLst/>
-        </p:spPr>
-      </p:cxnSp>
-      <p:sp>
-        <p:nvSpPr>
-          <p:cNvPr id="88" name="ZoneTexte 87"/>
-          <p:cNvSpPr txBox="1"/>
-          <p:nvPr/>
-        </p:nvSpPr>
-        <p:spPr>
-          <a:xfrm>
-            <a:off x="738902" y="543821"/>
-            <a:ext cx="1370667" cy="276999"/>
-          </a:xfrm>
-          <a:prstGeom prst="rect">
-            <a:avLst/>
-          </a:prstGeom>
-          <a:noFill/>
-        </p:spPr>
-        <p:txBody>
-          <a:bodyPr wrap="square" rtlCol="0">
-            <a:spAutoFit/>
-          </a:bodyPr>
-          <a:lstStyle/>
-          <a:p>
-            <a:pPr algn="ctr"/>
-            <a:r>
-              <a:rPr lang="fr-FR" sz="1200" i="1" dirty="0" smtClean="0">
-                <a:solidFill>
-                  <a:schemeClr val="tx2"/>
-                </a:solidFill>
-              </a:rPr>
-              <a:t>Capteur / IHM</a:t>
-            </a:r>
-            <a:endParaRPr lang="fr-FR" sz="1200" i="1" dirty="0">
-              <a:solidFill>
-                <a:schemeClr val="tx2"/>
-              </a:solidFill>
-            </a:endParaRPr>
-          </a:p>
-        </p:txBody>
-      </p:sp>
-      <p:sp>
-        <p:nvSpPr>
-          <p:cNvPr id="89" name="ZoneTexte 88"/>
-          <p:cNvSpPr txBox="1"/>
-          <p:nvPr/>
-        </p:nvSpPr>
-        <p:spPr>
-          <a:xfrm>
-            <a:off x="2899142" y="543821"/>
-            <a:ext cx="1370667" cy="276999"/>
-          </a:xfrm>
-          <a:prstGeom prst="rect">
-            <a:avLst/>
-          </a:prstGeom>
-          <a:noFill/>
-        </p:spPr>
-        <p:txBody>
-          <a:bodyPr wrap="square" rtlCol="0">
-            <a:spAutoFit/>
-          </a:bodyPr>
-          <a:lstStyle/>
-          <a:p>
-            <a:pPr algn="ctr"/>
-            <a:r>
-              <a:rPr lang="fr-FR" sz="1200" i="1" dirty="0" smtClean="0">
-                <a:solidFill>
-                  <a:schemeClr val="tx2"/>
-                </a:solidFill>
-              </a:rPr>
-              <a:t>Capteur / CAN</a:t>
-            </a:r>
-            <a:endParaRPr lang="fr-FR" sz="1200" i="1" dirty="0">
-              <a:solidFill>
-                <a:schemeClr val="tx2"/>
-              </a:solidFill>
-            </a:endParaRPr>
-          </a:p>
-        </p:txBody>
-      </p:sp>
-      <p:sp>
-        <p:nvSpPr>
-          <p:cNvPr id="90" name="ZoneTexte 89"/>
-          <p:cNvSpPr txBox="1"/>
-          <p:nvPr/>
-        </p:nvSpPr>
-        <p:spPr>
-          <a:xfrm>
-            <a:off x="4962537" y="543821"/>
-            <a:ext cx="1564358" cy="276999"/>
-          </a:xfrm>
-          <a:prstGeom prst="rect">
-            <a:avLst/>
-          </a:prstGeom>
-          <a:noFill/>
-        </p:spPr>
-        <p:txBody>
-          <a:bodyPr wrap="square" rtlCol="0">
-            <a:spAutoFit/>
-          </a:bodyPr>
-          <a:lstStyle/>
-          <a:p>
-            <a:pPr algn="ctr"/>
-            <a:r>
-              <a:rPr lang="fr-FR" sz="1200" i="1" dirty="0" smtClean="0">
-                <a:solidFill>
-                  <a:schemeClr val="tx2"/>
-                </a:solidFill>
-              </a:rPr>
-              <a:t>Unité de commande</a:t>
-            </a:r>
-            <a:endParaRPr lang="fr-FR" sz="1200" i="1" dirty="0">
-              <a:solidFill>
-                <a:schemeClr val="tx2"/>
-              </a:solidFill>
-            </a:endParaRPr>
-          </a:p>
-        </p:txBody>
-      </p:sp>
-      <p:sp>
-        <p:nvSpPr>
-          <p:cNvPr id="91" name="ZoneTexte 90"/>
-          <p:cNvSpPr txBox="1"/>
-          <p:nvPr/>
-        </p:nvSpPr>
-        <p:spPr>
-          <a:xfrm>
-            <a:off x="7143151" y="543821"/>
-            <a:ext cx="1564358" cy="276999"/>
-          </a:xfrm>
-          <a:prstGeom prst="rect">
-            <a:avLst/>
-          </a:prstGeom>
-          <a:noFill/>
-        </p:spPr>
-        <p:txBody>
-          <a:bodyPr wrap="square" rtlCol="0">
-            <a:spAutoFit/>
-          </a:bodyPr>
-          <a:lstStyle/>
-          <a:p>
-            <a:pPr algn="ctr"/>
-            <a:r>
-              <a:rPr lang="fr-FR" sz="1200" i="1" dirty="0" smtClean="0">
-                <a:solidFill>
-                  <a:schemeClr val="tx2"/>
-                </a:solidFill>
-              </a:rPr>
-              <a:t>IHM</a:t>
-            </a:r>
-            <a:endParaRPr lang="fr-FR" sz="1200" i="1" dirty="0">
-              <a:solidFill>
-                <a:schemeClr val="tx2"/>
-              </a:solidFill>
-            </a:endParaRPr>
-          </a:p>
-        </p:txBody>
-      </p:sp>
-      <p:sp>
-        <p:nvSpPr>
-          <p:cNvPr id="92" name="ZoneTexte 91"/>
-          <p:cNvSpPr txBox="1"/>
-          <p:nvPr/>
-        </p:nvSpPr>
-        <p:spPr>
-          <a:xfrm>
-            <a:off x="7013848" y="1434250"/>
-            <a:ext cx="2000914" cy="276999"/>
-          </a:xfrm>
-          <a:prstGeom prst="rect">
-            <a:avLst/>
-          </a:prstGeom>
-          <a:noFill/>
-        </p:spPr>
-        <p:txBody>
-          <a:bodyPr wrap="square" rtlCol="0">
-            <a:spAutoFit/>
-          </a:bodyPr>
-          <a:lstStyle/>
-          <a:p>
-            <a:pPr algn="ctr"/>
-            <a:r>
-              <a:rPr lang="fr-FR" sz="1200" i="1" dirty="0" smtClean="0">
-                <a:solidFill>
-                  <a:schemeClr val="tx2"/>
-                </a:solidFill>
-              </a:rPr>
-              <a:t>Interface de communication</a:t>
-            </a:r>
-            <a:endParaRPr lang="fr-FR" sz="1200" i="1" dirty="0">
-              <a:solidFill>
-                <a:schemeClr val="tx2"/>
-              </a:solidFill>
-            </a:endParaRPr>
-          </a:p>
-        </p:txBody>
-      </p:sp>
-      <p:sp>
-        <p:nvSpPr>
-          <p:cNvPr id="93" name="Rectangle 92"/>
-          <p:cNvSpPr/>
-          <p:nvPr/>
-        </p:nvSpPr>
-        <p:spPr>
-          <a:xfrm>
-            <a:off x="5502578" y="2453365"/>
-            <a:ext cx="756938" cy="338554"/>
-          </a:xfrm>
-          <a:prstGeom prst="rect">
-            <a:avLst/>
-          </a:prstGeom>
-        </p:spPr>
-        <p:txBody>
-          <a:bodyPr wrap="none">
-            <a:spAutoFit/>
-          </a:bodyPr>
-          <a:lstStyle/>
-          <a:p>
-            <a:pPr algn="ctr"/>
-            <a:r>
-              <a:rPr lang="fr-FR" sz="1600" b="1" i="1" dirty="0" smtClean="0">
-                <a:solidFill>
-                  <a:schemeClr val="tx2"/>
-                </a:solidFill>
-              </a:rPr>
-              <a:t>Ordres</a:t>
-            </a:r>
-            <a:endParaRPr lang="fr-FR" sz="1600" b="1" i="1" dirty="0">
-              <a:solidFill>
-                <a:schemeClr val="tx2"/>
-              </a:solidFill>
-            </a:endParaRPr>
-          </a:p>
-        </p:txBody>
-      </p:sp>
-      <p:sp>
-        <p:nvSpPr>
-          <p:cNvPr id="94" name="Rectangle 93"/>
-          <p:cNvSpPr/>
-          <p:nvPr/>
-        </p:nvSpPr>
-        <p:spPr>
-          <a:xfrm>
-            <a:off x="192262" y="2453492"/>
-            <a:ext cx="2924504" cy="338554"/>
-          </a:xfrm>
-          <a:prstGeom prst="rect">
-            <a:avLst/>
-          </a:prstGeom>
-        </p:spPr>
-        <p:txBody>
-          <a:bodyPr wrap="square">
-            <a:spAutoFit/>
-          </a:bodyPr>
-          <a:lstStyle/>
-          <a:p>
-            <a:pPr algn="ctr"/>
-            <a:r>
-              <a:rPr lang="fr-FR" sz="1600" i="1" dirty="0" smtClean="0">
-                <a:solidFill>
-                  <a:schemeClr val="tx2"/>
-                </a:solidFill>
-              </a:rPr>
-              <a:t>Grandeurs physiques à acquérir</a:t>
-            </a:r>
-            <a:endParaRPr lang="fr-FR" sz="1600" i="1" dirty="0">
-              <a:solidFill>
-                <a:schemeClr val="tx2"/>
-              </a:solidFill>
-            </a:endParaRPr>
-          </a:p>
-        </p:txBody>
-      </p:sp>
-      <p:sp>
-        <p:nvSpPr>
-          <p:cNvPr id="95" name="Rectangle 94"/>
-          <p:cNvSpPr/>
-          <p:nvPr/>
-        </p:nvSpPr>
-        <p:spPr>
-          <a:xfrm>
-            <a:off x="-2599593" y="3407241"/>
-            <a:ext cx="1228926" cy="276999"/>
-          </a:xfrm>
-          <a:prstGeom prst="rect">
-            <a:avLst/>
-          </a:prstGeom>
-        </p:spPr>
-        <p:txBody>
-          <a:bodyPr wrap="none">
-            <a:spAutoFit/>
-          </a:bodyPr>
-          <a:lstStyle/>
-          <a:p>
-            <a:pPr algn="ctr"/>
-            <a:r>
-              <a:rPr lang="fr-FR" sz="1200" b="1" i="1" dirty="0" smtClean="0">
-                <a:solidFill>
-                  <a:schemeClr val="accent2"/>
-                </a:solidFill>
-              </a:rPr>
-              <a:t>Energie d’entrée</a:t>
-            </a:r>
-            <a:endParaRPr lang="fr-FR" sz="1200" b="1" i="1" dirty="0">
-              <a:solidFill>
-                <a:schemeClr val="accent2"/>
-              </a:solidFill>
-            </a:endParaRPr>
-          </a:p>
-        </p:txBody>
-      </p:sp>
-      <p:sp>
-        <p:nvSpPr>
-          <p:cNvPr id="96" name="Rectangle 95"/>
-          <p:cNvSpPr/>
-          <p:nvPr/>
-        </p:nvSpPr>
-        <p:spPr>
-          <a:xfrm>
-            <a:off x="11238286" y="3427477"/>
-            <a:ext cx="1318824" cy="276999"/>
-          </a:xfrm>
-          <a:prstGeom prst="rect">
-            <a:avLst/>
-          </a:prstGeom>
-        </p:spPr>
-        <p:txBody>
-          <a:bodyPr wrap="none">
-            <a:spAutoFit/>
-          </a:bodyPr>
-          <a:lstStyle/>
-          <a:p>
-            <a:pPr algn="ctr"/>
-            <a:r>
-              <a:rPr lang="fr-FR" sz="1200" b="1" i="1" dirty="0" smtClean="0">
-                <a:solidFill>
-                  <a:schemeClr val="accent2"/>
-                </a:solidFill>
-              </a:rPr>
-              <a:t>Energies de sortie</a:t>
-            </a:r>
-            <a:endParaRPr lang="fr-FR" sz="1200" b="1" i="1" dirty="0">
-              <a:solidFill>
-                <a:schemeClr val="accent2"/>
-              </a:solidFill>
-            </a:endParaRPr>
-          </a:p>
-        </p:txBody>
-      </p:sp>
-      <p:cxnSp>
-        <p:nvCxnSpPr>
-          <p:cNvPr id="97" name="Connecteur droit 96"/>
-          <p:cNvCxnSpPr/>
-          <p:nvPr/>
-        </p:nvCxnSpPr>
-        <p:spPr>
-          <a:xfrm>
-            <a:off x="11103478" y="3705870"/>
-            <a:ext cx="760924" cy="2787"/>
-          </a:xfrm>
-          <a:prstGeom prst="line">
-            <a:avLst/>
-          </a:prstGeom>
-          <a:noFill/>
-          <a:ln w="28575" cap="flat" cmpd="sng" algn="ctr">
-            <a:solidFill>
-              <a:srgbClr val="C0504D">
-                <a:shade val="95000"/>
-                <a:satMod val="105000"/>
-              </a:srgbClr>
-            </a:solidFill>
-            <a:prstDash val="solid"/>
-            <a:headEnd type="none" w="med" len="med"/>
-            <a:tailEnd type="arrow" w="med" len="med"/>
-          </a:ln>
-          <a:effectLst/>
-        </p:spPr>
-      </p:cxnSp>
-      <p:sp>
-        <p:nvSpPr>
-          <p:cNvPr id="98" name="ZoneTexte 97"/>
-          <p:cNvSpPr txBox="1"/>
-          <p:nvPr/>
-        </p:nvSpPr>
-        <p:spPr>
-          <a:xfrm>
-            <a:off x="-1178405" y="3991083"/>
-            <a:ext cx="1440000" cy="276999"/>
-          </a:xfrm>
-          <a:prstGeom prst="rect">
-            <a:avLst/>
-          </a:prstGeom>
-          <a:noFill/>
-        </p:spPr>
-        <p:txBody>
-          <a:bodyPr wrap="square" rtlCol="0">
-            <a:spAutoFit/>
-          </a:bodyPr>
-          <a:lstStyle/>
-          <a:p>
-            <a:pPr algn="ctr"/>
-            <a:r>
-              <a:rPr lang="fr-FR" sz="1200" i="1" dirty="0" smtClean="0">
-                <a:solidFill>
-                  <a:schemeClr val="accent2"/>
-                </a:solidFill>
-              </a:rPr>
-              <a:t>Unité de stockage</a:t>
-            </a:r>
-            <a:endParaRPr lang="fr-FR" sz="1200" i="1" dirty="0">
-              <a:solidFill>
-                <a:schemeClr val="accent2"/>
-              </a:solidFill>
-            </a:endParaRPr>
-          </a:p>
-        </p:txBody>
-      </p:sp>
-      <p:sp>
-        <p:nvSpPr>
-          <p:cNvPr id="99" name="ZoneTexte 98"/>
-          <p:cNvSpPr txBox="1"/>
-          <p:nvPr/>
-        </p:nvSpPr>
-        <p:spPr>
-          <a:xfrm>
-            <a:off x="981835" y="3991083"/>
-            <a:ext cx="1440000" cy="461665"/>
-          </a:xfrm>
-          <a:prstGeom prst="rect">
-            <a:avLst/>
-          </a:prstGeom>
-          <a:noFill/>
-        </p:spPr>
-        <p:txBody>
-          <a:bodyPr wrap="square" rtlCol="0">
-            <a:spAutoFit/>
-          </a:bodyPr>
-          <a:lstStyle/>
-          <a:p>
-            <a:pPr algn="ctr"/>
-            <a:r>
-              <a:rPr lang="fr-FR" sz="1200" i="1" dirty="0" smtClean="0">
-                <a:solidFill>
-                  <a:schemeClr val="accent2"/>
-                </a:solidFill>
-              </a:rPr>
-              <a:t>Unité d’alimentation</a:t>
-            </a:r>
-            <a:endParaRPr lang="fr-FR" sz="1200" i="1" dirty="0">
-              <a:solidFill>
-                <a:schemeClr val="accent2"/>
-              </a:solidFill>
-            </a:endParaRPr>
-          </a:p>
-        </p:txBody>
-      </p:sp>
-      <p:sp>
-        <p:nvSpPr>
-          <p:cNvPr id="100" name="ZoneTexte 99"/>
-          <p:cNvSpPr txBox="1"/>
-          <p:nvPr/>
-        </p:nvSpPr>
-        <p:spPr>
-          <a:xfrm>
-            <a:off x="3142075" y="3991083"/>
-            <a:ext cx="1440000" cy="276999"/>
-          </a:xfrm>
-          <a:prstGeom prst="rect">
-            <a:avLst/>
-          </a:prstGeom>
-          <a:noFill/>
-        </p:spPr>
-        <p:txBody>
-          <a:bodyPr wrap="square" rtlCol="0">
-            <a:spAutoFit/>
-          </a:bodyPr>
-          <a:lstStyle/>
-          <a:p>
-            <a:pPr algn="ctr"/>
-            <a:r>
-              <a:rPr lang="fr-FR" sz="1200" i="1" dirty="0" smtClean="0">
-                <a:solidFill>
-                  <a:schemeClr val="accent2"/>
-                </a:solidFill>
-              </a:rPr>
-              <a:t>Pré actionneur</a:t>
-            </a:r>
-            <a:endParaRPr lang="fr-FR" sz="1200" i="1" dirty="0">
-              <a:solidFill>
-                <a:schemeClr val="accent2"/>
-              </a:solidFill>
-            </a:endParaRPr>
-          </a:p>
-        </p:txBody>
-      </p:sp>
-      <p:sp>
-        <p:nvSpPr>
-          <p:cNvPr id="101" name="ZoneTexte 100"/>
-          <p:cNvSpPr txBox="1"/>
-          <p:nvPr/>
-        </p:nvSpPr>
-        <p:spPr>
-          <a:xfrm>
-            <a:off x="5302315" y="3991083"/>
-            <a:ext cx="1440000" cy="276999"/>
-          </a:xfrm>
-          <a:prstGeom prst="rect">
-            <a:avLst/>
-          </a:prstGeom>
-          <a:noFill/>
-        </p:spPr>
-        <p:txBody>
-          <a:bodyPr wrap="square" rtlCol="0">
-            <a:spAutoFit/>
-          </a:bodyPr>
-          <a:lstStyle/>
-          <a:p>
-            <a:pPr algn="ctr"/>
-            <a:r>
-              <a:rPr lang="fr-FR" sz="1200" i="1" dirty="0" smtClean="0">
-                <a:solidFill>
-                  <a:schemeClr val="accent2"/>
-                </a:solidFill>
-              </a:rPr>
-              <a:t>Actionneur</a:t>
-            </a:r>
-            <a:endParaRPr lang="fr-FR" sz="1200" i="1" dirty="0">
-              <a:solidFill>
-                <a:schemeClr val="accent2"/>
-              </a:solidFill>
-            </a:endParaRPr>
-          </a:p>
-        </p:txBody>
-      </p:sp>
-      <p:sp>
-        <p:nvSpPr>
-          <p:cNvPr id="102" name="ZoneTexte 101"/>
-          <p:cNvSpPr txBox="1"/>
-          <p:nvPr/>
-        </p:nvSpPr>
-        <p:spPr>
-          <a:xfrm>
-            <a:off x="7462555" y="3991083"/>
-            <a:ext cx="1440000" cy="276999"/>
-          </a:xfrm>
-          <a:prstGeom prst="rect">
-            <a:avLst/>
-          </a:prstGeom>
-          <a:noFill/>
-        </p:spPr>
-        <p:txBody>
-          <a:bodyPr wrap="square" rtlCol="0">
-            <a:spAutoFit/>
-          </a:bodyPr>
-          <a:lstStyle/>
-          <a:p>
-            <a:pPr algn="ctr"/>
-            <a:r>
-              <a:rPr lang="fr-FR" sz="1200" i="1" dirty="0" smtClean="0">
-                <a:solidFill>
-                  <a:schemeClr val="accent2"/>
-                </a:solidFill>
-              </a:rPr>
-              <a:t>Transmetteur</a:t>
-            </a:r>
-            <a:endParaRPr lang="fr-FR" sz="1200" i="1" dirty="0">
-              <a:solidFill>
-                <a:schemeClr val="accent2"/>
-              </a:solidFill>
-            </a:endParaRPr>
-          </a:p>
-        </p:txBody>
-      </p:sp>
-      <p:sp>
-        <p:nvSpPr>
-          <p:cNvPr id="103" name="ZoneTexte 102"/>
-          <p:cNvSpPr txBox="1"/>
-          <p:nvPr/>
-        </p:nvSpPr>
-        <p:spPr>
-          <a:xfrm>
-            <a:off x="9622795" y="3991083"/>
-            <a:ext cx="1440000" cy="276999"/>
-          </a:xfrm>
-          <a:prstGeom prst="rect">
-            <a:avLst/>
-          </a:prstGeom>
-          <a:noFill/>
-        </p:spPr>
-        <p:txBody>
-          <a:bodyPr wrap="square" rtlCol="0">
-            <a:spAutoFit/>
-          </a:bodyPr>
-          <a:lstStyle/>
-          <a:p>
-            <a:pPr algn="ctr"/>
-            <a:r>
-              <a:rPr lang="fr-FR" sz="1200" i="1" dirty="0" smtClean="0">
-                <a:solidFill>
-                  <a:schemeClr val="accent2"/>
-                </a:solidFill>
-              </a:rPr>
-              <a:t>Effecteur</a:t>
-            </a:r>
-            <a:endParaRPr lang="fr-FR" sz="1200" i="1" dirty="0">
-              <a:solidFill>
-                <a:schemeClr val="accent2"/>
-              </a:solidFill>
-            </a:endParaRPr>
-          </a:p>
-        </p:txBody>
-      </p:sp>
-      <p:cxnSp>
-        <p:nvCxnSpPr>
-          <p:cNvPr id="104" name="Connecteur droit 103"/>
-          <p:cNvCxnSpPr/>
-          <p:nvPr/>
-        </p:nvCxnSpPr>
-        <p:spPr>
-          <a:xfrm flipV="1">
-            <a:off x="261595" y="5085184"/>
-            <a:ext cx="694931" cy="2787"/>
-          </a:xfrm>
-          <a:prstGeom prst="line">
-            <a:avLst/>
-          </a:prstGeom>
-          <a:noFill/>
-          <a:ln w="28575" cap="flat" cmpd="sng" algn="ctr">
-            <a:solidFill>
-              <a:srgbClr val="C0504D">
-                <a:shade val="95000"/>
-                <a:satMod val="105000"/>
-              </a:srgbClr>
-            </a:solidFill>
-            <a:prstDash val="solid"/>
-            <a:headEnd type="none" w="med" len="med"/>
-            <a:tailEnd type="arrow" w="med" len="med"/>
-          </a:ln>
-          <a:effectLst/>
-        </p:spPr>
-      </p:cxnSp>
-      <p:cxnSp>
-        <p:nvCxnSpPr>
-          <p:cNvPr id="105" name="Connecteur droit avec flèche 104"/>
-          <p:cNvCxnSpPr/>
-          <p:nvPr/>
-        </p:nvCxnSpPr>
-        <p:spPr>
-          <a:xfrm>
-            <a:off x="261595" y="5373216"/>
-            <a:ext cx="720240" cy="0"/>
-          </a:xfrm>
-          <a:prstGeom prst="straightConnector1">
-            <a:avLst/>
-          </a:prstGeom>
-          <a:noFill/>
-          <a:ln w="28575" cap="flat" cmpd="sng" algn="ctr">
-            <a:solidFill>
-              <a:srgbClr val="4F81BD">
-                <a:shade val="95000"/>
-                <a:satMod val="105000"/>
-              </a:srgbClr>
-            </a:solidFill>
-            <a:prstDash val="solid"/>
-            <a:tailEnd type="arrow"/>
-          </a:ln>
-          <a:effectLst/>
-        </p:spPr>
-      </p:cxnSp>
-      <p:sp>
-        <p:nvSpPr>
-          <p:cNvPr id="106" name="ZoneTexte 105"/>
-          <p:cNvSpPr txBox="1"/>
-          <p:nvPr/>
-        </p:nvSpPr>
-        <p:spPr>
-          <a:xfrm>
-            <a:off x="981835" y="5234716"/>
-            <a:ext cx="1370667" cy="276999"/>
-          </a:xfrm>
-          <a:prstGeom prst="rect">
-            <a:avLst/>
-          </a:prstGeom>
-          <a:noFill/>
-        </p:spPr>
-        <p:txBody>
-          <a:bodyPr wrap="square" rtlCol="0">
-            <a:spAutoFit/>
-          </a:bodyPr>
-          <a:lstStyle/>
-          <a:p>
-            <a:r>
-              <a:rPr lang="fr-FR" sz="1200" b="1" i="1" dirty="0" smtClean="0">
-                <a:solidFill>
-                  <a:schemeClr val="tx2"/>
-                </a:solidFill>
-              </a:rPr>
-              <a:t>Lien d’information</a:t>
-            </a:r>
-            <a:endParaRPr lang="fr-FR" sz="1200" b="1" i="1" dirty="0">
-              <a:solidFill>
-                <a:schemeClr val="tx2"/>
-              </a:solidFill>
-            </a:endParaRPr>
-          </a:p>
-        </p:txBody>
-      </p:sp>
-      <p:sp>
-        <p:nvSpPr>
-          <p:cNvPr id="107" name="Rectangle 106"/>
-          <p:cNvSpPr/>
-          <p:nvPr/>
-        </p:nvSpPr>
-        <p:spPr>
-          <a:xfrm>
-            <a:off x="981835" y="4957717"/>
-            <a:ext cx="1077218" cy="276999"/>
-          </a:xfrm>
-          <a:prstGeom prst="rect">
-            <a:avLst/>
-          </a:prstGeom>
-        </p:spPr>
-        <p:txBody>
-          <a:bodyPr wrap="none">
-            <a:spAutoFit/>
-          </a:bodyPr>
-          <a:lstStyle/>
-          <a:p>
-            <a:r>
-              <a:rPr lang="fr-FR" sz="1200" b="1" i="1" dirty="0" smtClean="0">
-                <a:solidFill>
-                  <a:schemeClr val="accent2"/>
-                </a:solidFill>
-              </a:rPr>
-              <a:t>Lien d’énergie</a:t>
-            </a:r>
-            <a:endParaRPr lang="fr-FR" sz="1200" b="1" i="1" dirty="0">
-              <a:solidFill>
-                <a:schemeClr val="accent2"/>
-              </a:solidFill>
-            </a:endParaRPr>
-          </a:p>
-        </p:txBody>
-      </p:sp>
-    </p:spTree>
-  </p:cSld>
-  <p:clrMapOvr>
-    <a:masterClrMapping/>
-  </p:clrMapOvr>
-</p:sld>
-</file>
-
 <file path=ppt/theme/theme1.xml><?xml version="1.0" encoding="utf-8"?>
 <a:theme xmlns:a="http://schemas.openxmlformats.org/drawingml/2006/main" name="Thème Office">
   <a:themeElements>

--- a/Cordeuse/ChaineFonctionnelleCordeuse.pptx
+++ b/Cordeuse/ChaineFonctionnelleCordeuse.pptx
@@ -5,10 +5,11 @@
     <p:sldMasterId id="2147483648" r:id="rId1"/>
   </p:sldMasterIdLst>
   <p:notesMasterIdLst>
-    <p:notesMasterId r:id="rId3"/>
+    <p:notesMasterId r:id="rId4"/>
   </p:notesMasterIdLst>
   <p:sldIdLst>
     <p:sldId id="262" r:id="rId2"/>
+    <p:sldId id="263" r:id="rId3"/>
   </p:sldIdLst>
   <p:sldSz cx="9144000" cy="6858000" type="screen4x3"/>
   <p:notesSz cx="6858000" cy="9144000"/>
@@ -192,7 +193,7 @@
           <a:p>
             <a:fld id="{C6619351-236F-44EC-95F0-B53CFFBC0C4C}" type="datetimeFigureOut">
               <a:rPr lang="fr-FR" smtClean="0"/>
-              <a:t>19/10/2014</a:t>
+              <a:t>17/05/2016</a:t>
             </a:fld>
             <a:endParaRPr lang="fr-FR"/>
           </a:p>
@@ -644,7 +645,7 @@
             <a:fld id="{AA309A6D-C09C-4548-B29A-6CF363A7E532}" type="datetimeFigureOut">
               <a:rPr lang="fr-FR" smtClean="0"/>
               <a:pPr/>
-              <a:t>19/10/2014</a:t>
+              <a:t>17/05/2016</a:t>
             </a:fld>
             <a:endParaRPr lang="fr-BE"/>
           </a:p>
@@ -811,7 +812,7 @@
             <a:fld id="{AA309A6D-C09C-4548-B29A-6CF363A7E532}" type="datetimeFigureOut">
               <a:rPr lang="fr-FR" smtClean="0"/>
               <a:pPr/>
-              <a:t>19/10/2014</a:t>
+              <a:t>17/05/2016</a:t>
             </a:fld>
             <a:endParaRPr lang="fr-BE"/>
           </a:p>
@@ -988,7 +989,7 @@
             <a:fld id="{AA309A6D-C09C-4548-B29A-6CF363A7E532}" type="datetimeFigureOut">
               <a:rPr lang="fr-FR" smtClean="0"/>
               <a:pPr/>
-              <a:t>19/10/2014</a:t>
+              <a:t>17/05/2016</a:t>
             </a:fld>
             <a:endParaRPr lang="fr-BE"/>
           </a:p>
@@ -1155,7 +1156,7 @@
             <a:fld id="{AA309A6D-C09C-4548-B29A-6CF363A7E532}" type="datetimeFigureOut">
               <a:rPr lang="fr-FR" smtClean="0"/>
               <a:pPr/>
-              <a:t>19/10/2014</a:t>
+              <a:t>17/05/2016</a:t>
             </a:fld>
             <a:endParaRPr lang="fr-BE"/>
           </a:p>
@@ -1398,7 +1399,7 @@
             <a:fld id="{AA309A6D-C09C-4548-B29A-6CF363A7E532}" type="datetimeFigureOut">
               <a:rPr lang="fr-FR" smtClean="0"/>
               <a:pPr/>
-              <a:t>19/10/2014</a:t>
+              <a:t>17/05/2016</a:t>
             </a:fld>
             <a:endParaRPr lang="fr-BE"/>
           </a:p>
@@ -1683,7 +1684,7 @@
             <a:fld id="{AA309A6D-C09C-4548-B29A-6CF363A7E532}" type="datetimeFigureOut">
               <a:rPr lang="fr-FR" smtClean="0"/>
               <a:pPr/>
-              <a:t>19/10/2014</a:t>
+              <a:t>17/05/2016</a:t>
             </a:fld>
             <a:endParaRPr lang="fr-BE"/>
           </a:p>
@@ -2102,7 +2103,7 @@
             <a:fld id="{AA309A6D-C09C-4548-B29A-6CF363A7E532}" type="datetimeFigureOut">
               <a:rPr lang="fr-FR" smtClean="0"/>
               <a:pPr/>
-              <a:t>19/10/2014</a:t>
+              <a:t>17/05/2016</a:t>
             </a:fld>
             <a:endParaRPr lang="fr-BE"/>
           </a:p>
@@ -2217,7 +2218,7 @@
             <a:fld id="{AA309A6D-C09C-4548-B29A-6CF363A7E532}" type="datetimeFigureOut">
               <a:rPr lang="fr-FR" smtClean="0"/>
               <a:pPr/>
-              <a:t>19/10/2014</a:t>
+              <a:t>17/05/2016</a:t>
             </a:fld>
             <a:endParaRPr lang="fr-BE"/>
           </a:p>
@@ -2309,7 +2310,7 @@
             <a:fld id="{AA309A6D-C09C-4548-B29A-6CF363A7E532}" type="datetimeFigureOut">
               <a:rPr lang="fr-FR" smtClean="0"/>
               <a:pPr/>
-              <a:t>19/10/2014</a:t>
+              <a:t>17/05/2016</a:t>
             </a:fld>
             <a:endParaRPr lang="fr-BE"/>
           </a:p>
@@ -2583,7 +2584,7 @@
             <a:fld id="{AA309A6D-C09C-4548-B29A-6CF363A7E532}" type="datetimeFigureOut">
               <a:rPr lang="fr-FR" smtClean="0"/>
               <a:pPr/>
-              <a:t>19/10/2014</a:t>
+              <a:t>17/05/2016</a:t>
             </a:fld>
             <a:endParaRPr lang="fr-BE"/>
           </a:p>
@@ -2833,7 +2834,7 @@
             <a:fld id="{AA309A6D-C09C-4548-B29A-6CF363A7E532}" type="datetimeFigureOut">
               <a:rPr lang="fr-FR" smtClean="0"/>
               <a:pPr/>
-              <a:t>19/10/2014</a:t>
+              <a:t>17/05/2016</a:t>
             </a:fld>
             <a:endParaRPr lang="fr-BE"/>
           </a:p>
@@ -3043,7 +3044,7 @@
             <a:fld id="{AA309A6D-C09C-4548-B29A-6CF363A7E532}" type="datetimeFigureOut">
               <a:rPr lang="fr-FR" smtClean="0"/>
               <a:pPr/>
-              <a:t>19/10/2014</a:t>
+              <a:t>17/05/2016</a:t>
             </a:fld>
             <a:endParaRPr lang="fr-BE"/>
           </a:p>
@@ -7155,6 +7156,1627 @@
 </p:sld>
 </file>
 
+<file path=ppt/slides/slide2.xml><?xml version="1.0" encoding="utf-8"?>
+<p:sld xmlns:a="http://schemas.openxmlformats.org/drawingml/2006/main" xmlns:r="http://schemas.openxmlformats.org/officeDocument/2006/relationships" xmlns:p="http://schemas.openxmlformats.org/presentationml/2006/main">
+  <p:cSld>
+    <p:spTree>
+      <p:nvGrpSpPr>
+        <p:cNvPr id="1" name=""/>
+        <p:cNvGrpSpPr/>
+        <p:nvPr/>
+      </p:nvGrpSpPr>
+      <p:grpSpPr>
+        <a:xfrm>
+          <a:off x="0" y="0"/>
+          <a:ext cx="0" cy="0"/>
+          <a:chOff x="0" y="0"/>
+          <a:chExt cx="0" cy="0"/>
+        </a:xfrm>
+      </p:grpSpPr>
+      <p:sp>
+        <p:nvSpPr>
+          <p:cNvPr id="40" name="Rectangle à coins arrondis 39"/>
+          <p:cNvSpPr/>
+          <p:nvPr/>
+        </p:nvSpPr>
+        <p:spPr>
+          <a:xfrm>
+            <a:off x="357158" y="3571876"/>
+            <a:ext cx="8643998" cy="2571768"/>
+          </a:xfrm>
+          <a:prstGeom prst="roundRect">
+            <a:avLst>
+              <a:gd name="adj" fmla="val 8149"/>
+            </a:avLst>
+          </a:prstGeom>
+          <a:solidFill>
+            <a:schemeClr val="accent2">
+              <a:lumMod val="20000"/>
+              <a:lumOff val="80000"/>
+            </a:schemeClr>
+          </a:solidFill>
+          <a:ln w="25400" cap="flat" cmpd="sng" algn="ctr">
+            <a:solidFill>
+              <a:srgbClr val="C0504D"/>
+            </a:solidFill>
+            <a:prstDash val="solid"/>
+          </a:ln>
+          <a:effectLst/>
+        </p:spPr>
+        <p:txBody>
+          <a:bodyPr rtlCol="0" anchor="b"/>
+          <a:lstStyle/>
+          <a:p>
+            <a:pPr marL="0" marR="0" lvl="0" indent="0" algn="ctr" defTabSz="914400" eaLnBrk="1" fontAlgn="auto" latinLnBrk="0" hangingPunct="1">
+              <a:lnSpc>
+                <a:spcPct val="100000"/>
+              </a:lnSpc>
+              <a:spcBef>
+                <a:spcPts val="0"/>
+              </a:spcBef>
+              <a:spcAft>
+                <a:spcPts val="0"/>
+              </a:spcAft>
+              <a:buClrTx/>
+              <a:buSzTx/>
+              <a:buFontTx/>
+              <a:buNone/>
+              <a:tabLst/>
+              <a:defRPr/>
+            </a:pPr>
+            <a:r>
+              <a:rPr kumimoji="0" lang="fr-FR" sz="1400" b="0" i="1" u="none" strike="noStrike" kern="0" cap="none" spc="0" normalizeH="0" baseline="0" noProof="0" dirty="0" smtClean="0">
+                <a:ln>
+                  <a:noFill/>
+                </a:ln>
+                <a:solidFill>
+                  <a:prstClr val="black"/>
+                </a:solidFill>
+                <a:effectLst/>
+                <a:uLnTx/>
+                <a:uFillTx/>
+                <a:latin typeface="Calibri"/>
+                <a:ea typeface="+mn-ea"/>
+                <a:cs typeface="+mn-cs"/>
+              </a:rPr>
+              <a:t>Chaîne d’énergie</a:t>
+            </a:r>
+          </a:p>
+        </p:txBody>
+      </p:sp>
+      <p:sp>
+        <p:nvSpPr>
+          <p:cNvPr id="42" name="Rectangle 41"/>
+          <p:cNvSpPr/>
+          <p:nvPr/>
+        </p:nvSpPr>
+        <p:spPr>
+          <a:xfrm>
+            <a:off x="500034" y="3786190"/>
+            <a:ext cx="1440000" cy="576000"/>
+          </a:xfrm>
+          <a:prstGeom prst="rect">
+            <a:avLst/>
+          </a:prstGeom>
+          <a:solidFill>
+            <a:schemeClr val="accent2">
+              <a:lumMod val="40000"/>
+              <a:lumOff val="60000"/>
+            </a:schemeClr>
+          </a:solidFill>
+          <a:ln w="9525" cap="flat" cmpd="sng" algn="ctr">
+            <a:solidFill>
+              <a:srgbClr val="C0504D">
+                <a:shade val="95000"/>
+                <a:satMod val="105000"/>
+              </a:srgbClr>
+            </a:solidFill>
+            <a:prstDash val="solid"/>
+          </a:ln>
+          <a:effectLst>
+            <a:outerShdw blurRad="40000" dist="20000" dir="5400000" rotWithShape="0">
+              <a:srgbClr val="000000">
+                <a:alpha val="38000"/>
+              </a:srgbClr>
+            </a:outerShdw>
+          </a:effectLst>
+        </p:spPr>
+        <p:txBody>
+          <a:bodyPr rtlCol="0" anchor="t"/>
+          <a:lstStyle/>
+          <a:p>
+            <a:pPr algn="ctr">
+              <a:defRPr/>
+            </a:pPr>
+            <a:r>
+              <a:rPr lang="fr-FR" sz="1200" b="1" kern="0" dirty="0" smtClean="0">
+                <a:solidFill>
+                  <a:prstClr val="black"/>
+                </a:solidFill>
+                <a:latin typeface="Calibri"/>
+              </a:rPr>
+              <a:t>ALIMENTER</a:t>
+            </a:r>
+          </a:p>
+          <a:p>
+            <a:pPr algn="ctr">
+              <a:defRPr/>
+            </a:pPr>
+            <a:r>
+              <a:rPr lang="fr-FR" sz="800" kern="0" dirty="0" err="1" smtClean="0">
+                <a:solidFill>
+                  <a:prstClr val="black"/>
+                </a:solidFill>
+                <a:latin typeface="Calibri"/>
+              </a:rPr>
+              <a:t>Transformateur+PD</a:t>
+            </a:r>
+            <a:endParaRPr lang="fr-FR" sz="800" kern="0" dirty="0" smtClean="0">
+              <a:solidFill>
+                <a:prstClr val="black"/>
+              </a:solidFill>
+              <a:latin typeface="Calibri"/>
+            </a:endParaRPr>
+          </a:p>
+          <a:p>
+            <a:pPr algn="ctr">
+              <a:defRPr/>
+            </a:pPr>
+            <a:r>
+              <a:rPr lang="fr-FR" sz="800" kern="0" dirty="0" smtClean="0">
+                <a:solidFill>
+                  <a:prstClr val="black"/>
+                </a:solidFill>
+                <a:latin typeface="Calibri"/>
+              </a:rPr>
+              <a:t>Transformer 220V~ en 12V-.</a:t>
+            </a:r>
+            <a:endParaRPr lang="fr-FR" sz="800" kern="0" dirty="0" smtClean="0">
+              <a:solidFill>
+                <a:prstClr val="black"/>
+              </a:solidFill>
+              <a:latin typeface="Calibri"/>
+            </a:endParaRPr>
+          </a:p>
+        </p:txBody>
+      </p:sp>
+      <p:sp>
+        <p:nvSpPr>
+          <p:cNvPr id="55" name="Rectangle 54"/>
+          <p:cNvSpPr/>
+          <p:nvPr/>
+        </p:nvSpPr>
+        <p:spPr>
+          <a:xfrm>
+            <a:off x="2274744" y="3786190"/>
+            <a:ext cx="1440000" cy="576000"/>
+          </a:xfrm>
+          <a:prstGeom prst="rect">
+            <a:avLst/>
+          </a:prstGeom>
+          <a:solidFill>
+            <a:schemeClr val="accent2">
+              <a:lumMod val="40000"/>
+              <a:lumOff val="60000"/>
+            </a:schemeClr>
+          </a:solidFill>
+          <a:ln w="9525" cap="flat" cmpd="sng" algn="ctr">
+            <a:solidFill>
+              <a:srgbClr val="C0504D">
+                <a:shade val="95000"/>
+                <a:satMod val="105000"/>
+              </a:srgbClr>
+            </a:solidFill>
+            <a:prstDash val="solid"/>
+          </a:ln>
+          <a:effectLst>
+            <a:outerShdw blurRad="40000" dist="20000" dir="5400000" rotWithShape="0">
+              <a:srgbClr val="000000">
+                <a:alpha val="38000"/>
+              </a:srgbClr>
+            </a:outerShdw>
+          </a:effectLst>
+        </p:spPr>
+        <p:txBody>
+          <a:bodyPr rtlCol="0" anchor="t"/>
+          <a:lstStyle/>
+          <a:p>
+            <a:pPr algn="ctr">
+              <a:defRPr/>
+            </a:pPr>
+            <a:endParaRPr lang="fr-FR" sz="1200" b="1" kern="0" dirty="0" smtClean="0">
+              <a:solidFill>
+                <a:prstClr val="black"/>
+              </a:solidFill>
+              <a:latin typeface="Calibri"/>
+            </a:endParaRPr>
+          </a:p>
+        </p:txBody>
+      </p:sp>
+      <p:cxnSp>
+        <p:nvCxnSpPr>
+          <p:cNvPr id="56" name="Connecteur droit 55"/>
+          <p:cNvCxnSpPr>
+            <a:stCxn id="42" idx="3"/>
+            <a:endCxn id="55" idx="1"/>
+          </p:cNvCxnSpPr>
+          <p:nvPr/>
+        </p:nvCxnSpPr>
+        <p:spPr>
+          <a:xfrm>
+            <a:off x="1940034" y="4074190"/>
+            <a:ext cx="334710" cy="1588"/>
+          </a:xfrm>
+          <a:prstGeom prst="line">
+            <a:avLst/>
+          </a:prstGeom>
+          <a:noFill/>
+          <a:ln w="28575" cap="flat" cmpd="sng" algn="ctr">
+            <a:solidFill>
+              <a:srgbClr val="C0504D">
+                <a:shade val="95000"/>
+                <a:satMod val="105000"/>
+              </a:srgbClr>
+            </a:solidFill>
+            <a:prstDash val="solid"/>
+            <a:headEnd type="none" w="med" len="med"/>
+            <a:tailEnd type="arrow" w="med" len="med"/>
+          </a:ln>
+          <a:effectLst/>
+        </p:spPr>
+      </p:cxnSp>
+      <p:sp>
+        <p:nvSpPr>
+          <p:cNvPr id="57" name="Rectangle 56"/>
+          <p:cNvSpPr/>
+          <p:nvPr/>
+        </p:nvSpPr>
+        <p:spPr>
+          <a:xfrm>
+            <a:off x="4060694" y="3786190"/>
+            <a:ext cx="1440000" cy="576000"/>
+          </a:xfrm>
+          <a:prstGeom prst="rect">
+            <a:avLst/>
+          </a:prstGeom>
+          <a:solidFill>
+            <a:schemeClr val="accent2">
+              <a:lumMod val="40000"/>
+              <a:lumOff val="60000"/>
+            </a:schemeClr>
+          </a:solidFill>
+          <a:ln w="9525" cap="flat" cmpd="sng" algn="ctr">
+            <a:solidFill>
+              <a:srgbClr val="C0504D">
+                <a:shade val="95000"/>
+                <a:satMod val="105000"/>
+              </a:srgbClr>
+            </a:solidFill>
+            <a:prstDash val="solid"/>
+          </a:ln>
+          <a:effectLst>
+            <a:outerShdw blurRad="40000" dist="20000" dir="5400000" rotWithShape="0">
+              <a:srgbClr val="000000">
+                <a:alpha val="38000"/>
+              </a:srgbClr>
+            </a:outerShdw>
+          </a:effectLst>
+        </p:spPr>
+        <p:txBody>
+          <a:bodyPr rtlCol="0" anchor="t"/>
+          <a:lstStyle/>
+          <a:p>
+            <a:pPr algn="ctr">
+              <a:defRPr/>
+            </a:pPr>
+            <a:endParaRPr lang="fr-FR" sz="1200" b="1" kern="0" dirty="0" smtClean="0">
+              <a:solidFill>
+                <a:prstClr val="black"/>
+              </a:solidFill>
+              <a:latin typeface="Calibri"/>
+            </a:endParaRPr>
+          </a:p>
+        </p:txBody>
+      </p:sp>
+      <p:sp>
+        <p:nvSpPr>
+          <p:cNvPr id="58" name="Rectangle 57"/>
+          <p:cNvSpPr/>
+          <p:nvPr/>
+        </p:nvSpPr>
+        <p:spPr>
+          <a:xfrm>
+            <a:off x="7643834" y="4286256"/>
+            <a:ext cx="1071570" cy="1428760"/>
+          </a:xfrm>
+          <a:prstGeom prst="rect">
+            <a:avLst/>
+          </a:prstGeom>
+          <a:solidFill>
+            <a:schemeClr val="accent2">
+              <a:lumMod val="40000"/>
+              <a:lumOff val="60000"/>
+            </a:schemeClr>
+          </a:solidFill>
+          <a:ln w="9525" cap="flat" cmpd="sng" algn="ctr">
+            <a:solidFill>
+              <a:srgbClr val="C0504D">
+                <a:shade val="95000"/>
+                <a:satMod val="105000"/>
+              </a:srgbClr>
+            </a:solidFill>
+            <a:prstDash val="solid"/>
+          </a:ln>
+          <a:effectLst>
+            <a:outerShdw blurRad="40000" dist="20000" dir="5400000" rotWithShape="0">
+              <a:srgbClr val="000000">
+                <a:alpha val="38000"/>
+              </a:srgbClr>
+            </a:outerShdw>
+          </a:effectLst>
+        </p:spPr>
+        <p:txBody>
+          <a:bodyPr rtlCol="0" anchor="t"/>
+          <a:lstStyle/>
+          <a:p>
+            <a:pPr marR="0" lvl="0" indent="0" algn="ctr" fontAlgn="auto">
+              <a:lnSpc>
+                <a:spcPct val="100000"/>
+              </a:lnSpc>
+              <a:spcBef>
+                <a:spcPts val="0"/>
+              </a:spcBef>
+              <a:spcAft>
+                <a:spcPts val="0"/>
+              </a:spcAft>
+              <a:buClrTx/>
+              <a:buSzTx/>
+              <a:buFontTx/>
+              <a:buNone/>
+              <a:tabLst/>
+              <a:defRPr/>
+            </a:pPr>
+            <a:r>
+              <a:rPr lang="fr-FR" sz="1200" b="1" kern="0" dirty="0" smtClean="0">
+                <a:solidFill>
+                  <a:prstClr val="black"/>
+                </a:solidFill>
+                <a:latin typeface="Calibri"/>
+              </a:rPr>
+              <a:t>AGIR</a:t>
+            </a:r>
+          </a:p>
+          <a:p>
+            <a:pPr marR="0" lvl="0" indent="0" algn="ctr" fontAlgn="auto">
+              <a:lnSpc>
+                <a:spcPct val="100000"/>
+              </a:lnSpc>
+              <a:spcBef>
+                <a:spcPts val="0"/>
+              </a:spcBef>
+              <a:spcAft>
+                <a:spcPts val="0"/>
+              </a:spcAft>
+              <a:buClrTx/>
+              <a:buSzTx/>
+              <a:buFontTx/>
+              <a:buNone/>
+              <a:tabLst/>
+              <a:defRPr/>
+            </a:pPr>
+            <a:endParaRPr lang="fr-FR" sz="1200" b="1" kern="0" dirty="0" smtClean="0">
+              <a:solidFill>
+                <a:prstClr val="black"/>
+              </a:solidFill>
+              <a:latin typeface="Calibri"/>
+            </a:endParaRPr>
+          </a:p>
+          <a:p>
+            <a:pPr marR="0" lvl="0" indent="0" algn="ctr" fontAlgn="auto">
+              <a:lnSpc>
+                <a:spcPct val="100000"/>
+              </a:lnSpc>
+              <a:spcBef>
+                <a:spcPts val="0"/>
+              </a:spcBef>
+              <a:spcAft>
+                <a:spcPts val="0"/>
+              </a:spcAft>
+              <a:buClrTx/>
+              <a:buSzTx/>
+              <a:buFontTx/>
+              <a:buNone/>
+              <a:tabLst/>
+              <a:defRPr/>
+            </a:pPr>
+            <a:r>
+              <a:rPr lang="fr-FR" sz="1200" kern="0" dirty="0" smtClean="0">
+                <a:solidFill>
+                  <a:prstClr val="black"/>
+                </a:solidFill>
+                <a:latin typeface="Calibri"/>
+              </a:rPr>
+              <a:t>MORS DE </a:t>
+            </a:r>
+            <a:r>
+              <a:rPr lang="fr-FR" sz="1200" kern="0" dirty="0" smtClean="0">
+                <a:solidFill>
+                  <a:prstClr val="black"/>
+                </a:solidFill>
+                <a:latin typeface="Calibri"/>
+              </a:rPr>
+              <a:t>TIRAGE</a:t>
+            </a:r>
+          </a:p>
+          <a:p>
+            <a:pPr marR="0" lvl="0" indent="0" algn="ctr" fontAlgn="auto">
+              <a:lnSpc>
+                <a:spcPct val="100000"/>
+              </a:lnSpc>
+              <a:spcBef>
+                <a:spcPts val="0"/>
+              </a:spcBef>
+              <a:spcAft>
+                <a:spcPts val="0"/>
+              </a:spcAft>
+              <a:buClrTx/>
+              <a:buSzTx/>
+              <a:buFontTx/>
+              <a:buNone/>
+              <a:tabLst/>
+              <a:defRPr/>
+            </a:pPr>
+            <a:r>
+              <a:rPr lang="fr-FR" sz="1000" kern="0" dirty="0" smtClean="0">
+                <a:solidFill>
+                  <a:prstClr val="black"/>
+                </a:solidFill>
+                <a:latin typeface="Calibri"/>
+              </a:rPr>
+              <a:t>(Maintenir et tendre la corde)</a:t>
+            </a:r>
+            <a:endParaRPr lang="fr-FR" sz="1000" kern="0" dirty="0" smtClean="0">
+              <a:solidFill>
+                <a:prstClr val="black"/>
+              </a:solidFill>
+              <a:latin typeface="Calibri"/>
+            </a:endParaRPr>
+          </a:p>
+        </p:txBody>
+      </p:sp>
+      <p:cxnSp>
+        <p:nvCxnSpPr>
+          <p:cNvPr id="104" name="Connecteur droit 103"/>
+          <p:cNvCxnSpPr/>
+          <p:nvPr/>
+        </p:nvCxnSpPr>
+        <p:spPr>
+          <a:xfrm flipV="1">
+            <a:off x="1857356" y="6431493"/>
+            <a:ext cx="694931" cy="0"/>
+          </a:xfrm>
+          <a:prstGeom prst="line">
+            <a:avLst/>
+          </a:prstGeom>
+          <a:noFill/>
+          <a:ln w="28575" cap="flat" cmpd="sng" algn="ctr">
+            <a:solidFill>
+              <a:srgbClr val="C0504D">
+                <a:shade val="95000"/>
+                <a:satMod val="105000"/>
+              </a:srgbClr>
+            </a:solidFill>
+            <a:prstDash val="solid"/>
+            <a:headEnd type="none" w="med" len="med"/>
+            <a:tailEnd type="arrow" w="med" len="med"/>
+          </a:ln>
+          <a:effectLst/>
+        </p:spPr>
+      </p:cxnSp>
+      <p:cxnSp>
+        <p:nvCxnSpPr>
+          <p:cNvPr id="105" name="Connecteur droit avec flèche 104"/>
+          <p:cNvCxnSpPr/>
+          <p:nvPr/>
+        </p:nvCxnSpPr>
+        <p:spPr>
+          <a:xfrm>
+            <a:off x="1857356" y="6719525"/>
+            <a:ext cx="720240" cy="0"/>
+          </a:xfrm>
+          <a:prstGeom prst="straightConnector1">
+            <a:avLst/>
+          </a:prstGeom>
+          <a:noFill/>
+          <a:ln w="28575" cap="flat" cmpd="sng" algn="ctr">
+            <a:solidFill>
+              <a:srgbClr val="4F81BD">
+                <a:shade val="95000"/>
+                <a:satMod val="105000"/>
+              </a:srgbClr>
+            </a:solidFill>
+            <a:prstDash val="solid"/>
+            <a:tailEnd type="arrow"/>
+          </a:ln>
+          <a:effectLst/>
+        </p:spPr>
+      </p:cxnSp>
+      <p:sp>
+        <p:nvSpPr>
+          <p:cNvPr id="106" name="ZoneTexte 105"/>
+          <p:cNvSpPr txBox="1"/>
+          <p:nvPr/>
+        </p:nvSpPr>
+        <p:spPr>
+          <a:xfrm>
+            <a:off x="2577596" y="6581025"/>
+            <a:ext cx="1370667" cy="276999"/>
+          </a:xfrm>
+          <a:prstGeom prst="rect">
+            <a:avLst/>
+          </a:prstGeom>
+          <a:noFill/>
+        </p:spPr>
+        <p:txBody>
+          <a:bodyPr wrap="square" rtlCol="0">
+            <a:spAutoFit/>
+          </a:bodyPr>
+          <a:lstStyle/>
+          <a:p>
+            <a:r>
+              <a:rPr lang="fr-FR" sz="1200" b="1" i="1" dirty="0" smtClean="0">
+                <a:solidFill>
+                  <a:schemeClr val="tx2"/>
+                </a:solidFill>
+              </a:rPr>
+              <a:t>Lien d’information</a:t>
+            </a:r>
+            <a:endParaRPr lang="fr-FR" sz="1200" b="1" i="1" dirty="0">
+              <a:solidFill>
+                <a:schemeClr val="tx2"/>
+              </a:solidFill>
+            </a:endParaRPr>
+          </a:p>
+        </p:txBody>
+      </p:sp>
+      <p:sp>
+        <p:nvSpPr>
+          <p:cNvPr id="107" name="Rectangle 106"/>
+          <p:cNvSpPr/>
+          <p:nvPr/>
+        </p:nvSpPr>
+        <p:spPr>
+          <a:xfrm>
+            <a:off x="2577596" y="6304026"/>
+            <a:ext cx="1077218" cy="276999"/>
+          </a:xfrm>
+          <a:prstGeom prst="rect">
+            <a:avLst/>
+          </a:prstGeom>
+        </p:spPr>
+        <p:txBody>
+          <a:bodyPr wrap="none">
+            <a:spAutoFit/>
+          </a:bodyPr>
+          <a:lstStyle/>
+          <a:p>
+            <a:r>
+              <a:rPr lang="fr-FR" sz="1200" b="1" i="1" dirty="0" smtClean="0">
+                <a:solidFill>
+                  <a:schemeClr val="accent2"/>
+                </a:solidFill>
+              </a:rPr>
+              <a:t>Lien d’énergie</a:t>
+            </a:r>
+            <a:endParaRPr lang="fr-FR" sz="1200" b="1" i="1" dirty="0">
+              <a:solidFill>
+                <a:schemeClr val="accent2"/>
+              </a:solidFill>
+            </a:endParaRPr>
+          </a:p>
+        </p:txBody>
+      </p:sp>
+      <p:sp>
+        <p:nvSpPr>
+          <p:cNvPr id="162" name="Rectangle 161"/>
+          <p:cNvSpPr/>
+          <p:nvPr/>
+        </p:nvSpPr>
+        <p:spPr>
+          <a:xfrm>
+            <a:off x="488794" y="4714884"/>
+            <a:ext cx="1440000" cy="576000"/>
+          </a:xfrm>
+          <a:prstGeom prst="rect">
+            <a:avLst/>
+          </a:prstGeom>
+          <a:solidFill>
+            <a:schemeClr val="accent2">
+              <a:lumMod val="40000"/>
+              <a:lumOff val="60000"/>
+            </a:schemeClr>
+          </a:solidFill>
+          <a:ln w="9525" cap="flat" cmpd="sng" algn="ctr">
+            <a:solidFill>
+              <a:srgbClr val="C0504D">
+                <a:shade val="95000"/>
+                <a:satMod val="105000"/>
+              </a:srgbClr>
+            </a:solidFill>
+            <a:prstDash val="solid"/>
+          </a:ln>
+          <a:effectLst>
+            <a:outerShdw blurRad="40000" dist="20000" dir="5400000" rotWithShape="0">
+              <a:srgbClr val="000000">
+                <a:alpha val="38000"/>
+              </a:srgbClr>
+            </a:outerShdw>
+          </a:effectLst>
+        </p:spPr>
+        <p:txBody>
+          <a:bodyPr rtlCol="0" anchor="t"/>
+          <a:lstStyle/>
+          <a:p>
+            <a:pPr algn="ctr">
+              <a:defRPr/>
+            </a:pPr>
+            <a:r>
+              <a:rPr lang="fr-FR" sz="1200" b="1" kern="0" dirty="0" smtClean="0">
+                <a:solidFill>
+                  <a:prstClr val="black"/>
+                </a:solidFill>
+                <a:latin typeface="Calibri"/>
+              </a:rPr>
+              <a:t>TRANSMETTRE</a:t>
+            </a:r>
+          </a:p>
+          <a:p>
+            <a:pPr algn="ctr">
+              <a:defRPr/>
+            </a:pPr>
+            <a:r>
+              <a:rPr lang="fr-FR" sz="1200" kern="0" dirty="0" smtClean="0">
+                <a:solidFill>
+                  <a:prstClr val="black"/>
+                </a:solidFill>
+              </a:rPr>
+              <a:t>Réducteur roue et vis sans fin</a:t>
+            </a:r>
+          </a:p>
+          <a:p>
+            <a:pPr algn="ctr">
+              <a:defRPr/>
+            </a:pPr>
+            <a:endParaRPr lang="fr-FR" sz="1200" kern="0" dirty="0" smtClean="0">
+              <a:solidFill>
+                <a:prstClr val="black"/>
+              </a:solidFill>
+            </a:endParaRPr>
+          </a:p>
+        </p:txBody>
+      </p:sp>
+      <p:sp>
+        <p:nvSpPr>
+          <p:cNvPr id="165" name="Rectangle 164"/>
+          <p:cNvSpPr/>
+          <p:nvPr/>
+        </p:nvSpPr>
+        <p:spPr>
+          <a:xfrm>
+            <a:off x="2274744" y="4714884"/>
+            <a:ext cx="1440000" cy="576000"/>
+          </a:xfrm>
+          <a:prstGeom prst="rect">
+            <a:avLst/>
+          </a:prstGeom>
+          <a:solidFill>
+            <a:schemeClr val="accent2">
+              <a:lumMod val="40000"/>
+              <a:lumOff val="60000"/>
+            </a:schemeClr>
+          </a:solidFill>
+          <a:ln w="9525" cap="flat" cmpd="sng" algn="ctr">
+            <a:solidFill>
+              <a:srgbClr val="C0504D">
+                <a:shade val="95000"/>
+                <a:satMod val="105000"/>
+              </a:srgbClr>
+            </a:solidFill>
+            <a:prstDash val="solid"/>
+          </a:ln>
+          <a:effectLst>
+            <a:outerShdw blurRad="40000" dist="20000" dir="5400000" rotWithShape="0">
+              <a:srgbClr val="000000">
+                <a:alpha val="38000"/>
+              </a:srgbClr>
+            </a:outerShdw>
+          </a:effectLst>
+        </p:spPr>
+        <p:txBody>
+          <a:bodyPr rtlCol="0" anchor="t"/>
+          <a:lstStyle/>
+          <a:p>
+            <a:pPr algn="ctr">
+              <a:defRPr/>
+            </a:pPr>
+            <a:r>
+              <a:rPr lang="fr-FR" sz="1200" b="1" kern="0" dirty="0" smtClean="0">
+                <a:solidFill>
+                  <a:prstClr val="black"/>
+                </a:solidFill>
+                <a:latin typeface="Calibri"/>
+              </a:rPr>
+              <a:t>TRANSMETTRE</a:t>
+            </a:r>
+          </a:p>
+          <a:p>
+            <a:pPr algn="ctr">
+              <a:defRPr/>
+            </a:pPr>
+            <a:r>
+              <a:rPr lang="fr-FR" sz="1200" kern="0" dirty="0" smtClean="0">
+                <a:solidFill>
+                  <a:prstClr val="black"/>
+                </a:solidFill>
+                <a:latin typeface="Calibri"/>
+              </a:rPr>
+              <a:t>Réducteur pignon chaîne</a:t>
+            </a:r>
+          </a:p>
+        </p:txBody>
+      </p:sp>
+      <p:cxnSp>
+        <p:nvCxnSpPr>
+          <p:cNvPr id="170" name="Connecteur droit 169"/>
+          <p:cNvCxnSpPr/>
+          <p:nvPr/>
+        </p:nvCxnSpPr>
+        <p:spPr>
+          <a:xfrm>
+            <a:off x="3703504" y="4071942"/>
+            <a:ext cx="345950" cy="1588"/>
+          </a:xfrm>
+          <a:prstGeom prst="line">
+            <a:avLst/>
+          </a:prstGeom>
+          <a:noFill/>
+          <a:ln w="28575" cap="flat" cmpd="sng" algn="ctr">
+            <a:solidFill>
+              <a:srgbClr val="C0504D">
+                <a:shade val="95000"/>
+                <a:satMod val="105000"/>
+              </a:srgbClr>
+            </a:solidFill>
+            <a:prstDash val="solid"/>
+            <a:headEnd type="none" w="med" len="med"/>
+            <a:tailEnd type="arrow" w="med" len="med"/>
+          </a:ln>
+          <a:effectLst/>
+        </p:spPr>
+      </p:cxnSp>
+      <p:cxnSp>
+        <p:nvCxnSpPr>
+          <p:cNvPr id="172" name="Connecteur droit 171"/>
+          <p:cNvCxnSpPr/>
+          <p:nvPr/>
+        </p:nvCxnSpPr>
+        <p:spPr>
+          <a:xfrm>
+            <a:off x="1917554" y="5000636"/>
+            <a:ext cx="345950" cy="1588"/>
+          </a:xfrm>
+          <a:prstGeom prst="line">
+            <a:avLst/>
+          </a:prstGeom>
+          <a:noFill/>
+          <a:ln w="28575" cap="flat" cmpd="sng" algn="ctr">
+            <a:solidFill>
+              <a:srgbClr val="C0504D">
+                <a:shade val="95000"/>
+                <a:satMod val="105000"/>
+              </a:srgbClr>
+            </a:solidFill>
+            <a:prstDash val="solid"/>
+            <a:headEnd type="none" w="med" len="med"/>
+            <a:tailEnd type="arrow" w="med" len="med"/>
+          </a:ln>
+          <a:effectLst/>
+        </p:spPr>
+      </p:cxnSp>
+      <p:cxnSp>
+        <p:nvCxnSpPr>
+          <p:cNvPr id="173" name="Connecteur droit 172"/>
+          <p:cNvCxnSpPr/>
+          <p:nvPr/>
+        </p:nvCxnSpPr>
+        <p:spPr>
+          <a:xfrm>
+            <a:off x="7275404" y="5000636"/>
+            <a:ext cx="345950" cy="1588"/>
+          </a:xfrm>
+          <a:prstGeom prst="line">
+            <a:avLst/>
+          </a:prstGeom>
+          <a:noFill/>
+          <a:ln w="28575" cap="flat" cmpd="sng" algn="ctr">
+            <a:solidFill>
+              <a:srgbClr val="C0504D">
+                <a:shade val="95000"/>
+                <a:satMod val="105000"/>
+              </a:srgbClr>
+            </a:solidFill>
+            <a:prstDash val="solid"/>
+            <a:headEnd type="none" w="med" len="med"/>
+            <a:tailEnd type="arrow" w="med" len="med"/>
+          </a:ln>
+          <a:effectLst/>
+        </p:spPr>
+      </p:cxnSp>
+      <p:sp>
+        <p:nvSpPr>
+          <p:cNvPr id="174" name="Rectangle 173"/>
+          <p:cNvSpPr/>
+          <p:nvPr/>
+        </p:nvSpPr>
+        <p:spPr>
+          <a:xfrm>
+            <a:off x="4060694" y="4714884"/>
+            <a:ext cx="1440000" cy="576000"/>
+          </a:xfrm>
+          <a:prstGeom prst="rect">
+            <a:avLst/>
+          </a:prstGeom>
+          <a:solidFill>
+            <a:schemeClr val="accent2">
+              <a:lumMod val="40000"/>
+              <a:lumOff val="60000"/>
+            </a:schemeClr>
+          </a:solidFill>
+          <a:ln w="9525" cap="flat" cmpd="sng" algn="ctr">
+            <a:solidFill>
+              <a:srgbClr val="C0504D">
+                <a:shade val="95000"/>
+                <a:satMod val="105000"/>
+              </a:srgbClr>
+            </a:solidFill>
+            <a:prstDash val="solid"/>
+          </a:ln>
+          <a:effectLst>
+            <a:outerShdw blurRad="40000" dist="20000" dir="5400000" rotWithShape="0">
+              <a:srgbClr val="000000">
+                <a:alpha val="38000"/>
+              </a:srgbClr>
+            </a:outerShdw>
+          </a:effectLst>
+        </p:spPr>
+        <p:txBody>
+          <a:bodyPr rtlCol="0" anchor="t"/>
+          <a:lstStyle/>
+          <a:p>
+            <a:pPr algn="ctr">
+              <a:defRPr/>
+            </a:pPr>
+            <a:r>
+              <a:rPr lang="fr-FR" sz="1200" b="1" kern="0" dirty="0" smtClean="0">
+                <a:solidFill>
+                  <a:prstClr val="black"/>
+                </a:solidFill>
+                <a:latin typeface="Calibri"/>
+              </a:rPr>
+              <a:t>TRANSMETTRE</a:t>
+            </a:r>
+          </a:p>
+          <a:p>
+            <a:pPr algn="ctr">
+              <a:defRPr/>
+            </a:pPr>
+            <a:r>
+              <a:rPr lang="fr-FR" sz="1200" kern="0" dirty="0" smtClean="0">
+                <a:solidFill>
+                  <a:prstClr val="black"/>
+                </a:solidFill>
+                <a:latin typeface="Calibri"/>
+              </a:rPr>
+              <a:t>Chaîne  - poussoir - ressort</a:t>
+            </a:r>
+          </a:p>
+        </p:txBody>
+      </p:sp>
+      <p:sp>
+        <p:nvSpPr>
+          <p:cNvPr id="176" name="Rectangle 175"/>
+          <p:cNvSpPr/>
+          <p:nvPr/>
+        </p:nvSpPr>
+        <p:spPr>
+          <a:xfrm>
+            <a:off x="5846644" y="4714884"/>
+            <a:ext cx="1440000" cy="576000"/>
+          </a:xfrm>
+          <a:prstGeom prst="rect">
+            <a:avLst/>
+          </a:prstGeom>
+          <a:solidFill>
+            <a:schemeClr val="accent2">
+              <a:lumMod val="40000"/>
+              <a:lumOff val="60000"/>
+            </a:schemeClr>
+          </a:solidFill>
+          <a:ln w="9525" cap="flat" cmpd="sng" algn="ctr">
+            <a:solidFill>
+              <a:srgbClr val="C0504D">
+                <a:shade val="95000"/>
+                <a:satMod val="105000"/>
+              </a:srgbClr>
+            </a:solidFill>
+            <a:prstDash val="solid"/>
+          </a:ln>
+          <a:effectLst>
+            <a:outerShdw blurRad="40000" dist="20000" dir="5400000" rotWithShape="0">
+              <a:srgbClr val="000000">
+                <a:alpha val="38000"/>
+              </a:srgbClr>
+            </a:outerShdw>
+          </a:effectLst>
+        </p:spPr>
+        <p:txBody>
+          <a:bodyPr rtlCol="0" anchor="t"/>
+          <a:lstStyle/>
+          <a:p>
+            <a:pPr algn="ctr">
+              <a:defRPr/>
+            </a:pPr>
+            <a:r>
+              <a:rPr lang="fr-FR" sz="1200" b="1" kern="0" dirty="0" smtClean="0">
+                <a:solidFill>
+                  <a:prstClr val="black"/>
+                </a:solidFill>
+                <a:latin typeface="Calibri"/>
+              </a:rPr>
+              <a:t>TRANSMETTRE</a:t>
+            </a:r>
+          </a:p>
+          <a:p>
+            <a:pPr algn="ctr">
+              <a:defRPr/>
+            </a:pPr>
+            <a:r>
+              <a:rPr lang="fr-FR" sz="1200" kern="0" dirty="0" smtClean="0">
+                <a:solidFill>
+                  <a:prstClr val="black"/>
+                </a:solidFill>
+              </a:rPr>
+              <a:t>Chariot</a:t>
+            </a:r>
+          </a:p>
+          <a:p>
+            <a:pPr algn="ctr">
+              <a:defRPr/>
+            </a:pPr>
+            <a:endParaRPr lang="fr-FR" sz="1200" b="1" kern="0" dirty="0" smtClean="0">
+              <a:solidFill>
+                <a:prstClr val="black"/>
+              </a:solidFill>
+              <a:latin typeface="Calibri"/>
+            </a:endParaRPr>
+          </a:p>
+        </p:txBody>
+      </p:sp>
+      <p:cxnSp>
+        <p:nvCxnSpPr>
+          <p:cNvPr id="181" name="Connecteur droit 180"/>
+          <p:cNvCxnSpPr/>
+          <p:nvPr/>
+        </p:nvCxnSpPr>
+        <p:spPr>
+          <a:xfrm rot="5400000">
+            <a:off x="1089603" y="4602901"/>
+            <a:ext cx="215902" cy="11240"/>
+          </a:xfrm>
+          <a:prstGeom prst="line">
+            <a:avLst/>
+          </a:prstGeom>
+          <a:noFill/>
+          <a:ln w="28575" cap="flat" cmpd="sng" algn="ctr">
+            <a:solidFill>
+              <a:srgbClr val="C0504D">
+                <a:shade val="95000"/>
+                <a:satMod val="105000"/>
+              </a:srgbClr>
+            </a:solidFill>
+            <a:prstDash val="solid"/>
+            <a:headEnd type="none" w="med" len="med"/>
+            <a:tailEnd type="arrow" w="med" len="med"/>
+          </a:ln>
+          <a:effectLst/>
+        </p:spPr>
+      </p:cxnSp>
+      <p:cxnSp>
+        <p:nvCxnSpPr>
+          <p:cNvPr id="183" name="Connecteur droit 182"/>
+          <p:cNvCxnSpPr/>
+          <p:nvPr/>
+        </p:nvCxnSpPr>
+        <p:spPr>
+          <a:xfrm>
+            <a:off x="1203174" y="4500570"/>
+            <a:ext cx="3571900" cy="1588"/>
+          </a:xfrm>
+          <a:prstGeom prst="line">
+            <a:avLst/>
+          </a:prstGeom>
+          <a:noFill/>
+          <a:ln w="28575" cap="flat" cmpd="sng" algn="ctr">
+            <a:solidFill>
+              <a:srgbClr val="C0504D">
+                <a:shade val="95000"/>
+                <a:satMod val="105000"/>
+              </a:srgbClr>
+            </a:solidFill>
+            <a:prstDash val="solid"/>
+            <a:headEnd type="none" w="med" len="med"/>
+            <a:tailEnd type="none" w="med" len="med"/>
+          </a:ln>
+          <a:effectLst/>
+        </p:spPr>
+      </p:cxnSp>
+      <p:cxnSp>
+        <p:nvCxnSpPr>
+          <p:cNvPr id="186" name="Connecteur droit 185"/>
+          <p:cNvCxnSpPr>
+            <a:endCxn id="57" idx="2"/>
+          </p:cNvCxnSpPr>
+          <p:nvPr/>
+        </p:nvCxnSpPr>
+        <p:spPr>
+          <a:xfrm rot="5400000" flipH="1" flipV="1">
+            <a:off x="4708694" y="4428570"/>
+            <a:ext cx="138380" cy="5620"/>
+          </a:xfrm>
+          <a:prstGeom prst="line">
+            <a:avLst/>
+          </a:prstGeom>
+          <a:noFill/>
+          <a:ln w="28575" cap="flat" cmpd="sng" algn="ctr">
+            <a:solidFill>
+              <a:srgbClr val="C0504D">
+                <a:shade val="95000"/>
+                <a:satMod val="105000"/>
+              </a:srgbClr>
+            </a:solidFill>
+            <a:prstDash val="solid"/>
+            <a:headEnd type="none" w="med" len="med"/>
+            <a:tailEnd type="none" w="med" len="med"/>
+          </a:ln>
+          <a:effectLst/>
+        </p:spPr>
+      </p:cxnSp>
+      <p:cxnSp>
+        <p:nvCxnSpPr>
+          <p:cNvPr id="189" name="Connecteur droit 188"/>
+          <p:cNvCxnSpPr/>
+          <p:nvPr/>
+        </p:nvCxnSpPr>
+        <p:spPr>
+          <a:xfrm>
+            <a:off x="3703504" y="5000636"/>
+            <a:ext cx="345950" cy="1588"/>
+          </a:xfrm>
+          <a:prstGeom prst="line">
+            <a:avLst/>
+          </a:prstGeom>
+          <a:noFill/>
+          <a:ln w="28575" cap="flat" cmpd="sng" algn="ctr">
+            <a:solidFill>
+              <a:srgbClr val="C0504D">
+                <a:shade val="95000"/>
+                <a:satMod val="105000"/>
+              </a:srgbClr>
+            </a:solidFill>
+            <a:prstDash val="solid"/>
+            <a:headEnd type="none" w="med" len="med"/>
+            <a:tailEnd type="arrow" w="med" len="med"/>
+          </a:ln>
+          <a:effectLst/>
+        </p:spPr>
+      </p:cxnSp>
+      <p:cxnSp>
+        <p:nvCxnSpPr>
+          <p:cNvPr id="190" name="Connecteur droit 189"/>
+          <p:cNvCxnSpPr/>
+          <p:nvPr/>
+        </p:nvCxnSpPr>
+        <p:spPr>
+          <a:xfrm>
+            <a:off x="5489454" y="5000636"/>
+            <a:ext cx="345950" cy="1588"/>
+          </a:xfrm>
+          <a:prstGeom prst="line">
+            <a:avLst/>
+          </a:prstGeom>
+          <a:noFill/>
+          <a:ln w="28575" cap="flat" cmpd="sng" algn="ctr">
+            <a:solidFill>
+              <a:srgbClr val="C0504D">
+                <a:shade val="95000"/>
+                <a:satMod val="105000"/>
+              </a:srgbClr>
+            </a:solidFill>
+            <a:prstDash val="solid"/>
+            <a:headEnd type="none" w="med" len="med"/>
+            <a:tailEnd type="arrow" w="med" len="med"/>
+          </a:ln>
+          <a:effectLst/>
+        </p:spPr>
+      </p:cxnSp>
+      <p:cxnSp>
+        <p:nvCxnSpPr>
+          <p:cNvPr id="202" name="Connecteur droit 201"/>
+          <p:cNvCxnSpPr>
+            <a:endCxn id="42" idx="1"/>
+          </p:cNvCxnSpPr>
+          <p:nvPr/>
+        </p:nvCxnSpPr>
+        <p:spPr>
+          <a:xfrm>
+            <a:off x="142844" y="4071942"/>
+            <a:ext cx="357190" cy="2248"/>
+          </a:xfrm>
+          <a:prstGeom prst="line">
+            <a:avLst/>
+          </a:prstGeom>
+          <a:noFill/>
+          <a:ln w="28575" cap="flat" cmpd="sng" algn="ctr">
+            <a:solidFill>
+              <a:srgbClr val="C0504D">
+                <a:shade val="95000"/>
+                <a:satMod val="105000"/>
+              </a:srgbClr>
+            </a:solidFill>
+            <a:prstDash val="solid"/>
+            <a:headEnd type="none" w="med" len="med"/>
+            <a:tailEnd type="arrow" w="med" len="med"/>
+          </a:ln>
+          <a:effectLst/>
+        </p:spPr>
+      </p:cxnSp>
+      <p:sp>
+        <p:nvSpPr>
+          <p:cNvPr id="205" name="Flèche vers le bas 204"/>
+          <p:cNvSpPr/>
+          <p:nvPr/>
+        </p:nvSpPr>
+        <p:spPr>
+          <a:xfrm>
+            <a:off x="8001024" y="3500438"/>
+            <a:ext cx="285752" cy="785818"/>
+          </a:xfrm>
+          <a:prstGeom prst="downArrow">
+            <a:avLst/>
+          </a:prstGeom>
+        </p:spPr>
+        <p:style>
+          <a:lnRef idx="1">
+            <a:schemeClr val="accent2"/>
+          </a:lnRef>
+          <a:fillRef idx="2">
+            <a:schemeClr val="accent2"/>
+          </a:fillRef>
+          <a:effectRef idx="1">
+            <a:schemeClr val="accent2"/>
+          </a:effectRef>
+          <a:fontRef idx="minor">
+            <a:schemeClr val="dk1"/>
+          </a:fontRef>
+        </p:style>
+        <p:txBody>
+          <a:bodyPr rtlCol="0" anchor="ctr"/>
+          <a:lstStyle/>
+          <a:p>
+            <a:pPr algn="ctr"/>
+            <a:endParaRPr lang="fr-FR"/>
+          </a:p>
+        </p:txBody>
+      </p:sp>
+      <p:sp>
+        <p:nvSpPr>
+          <p:cNvPr id="206" name="Rectangle 205"/>
+          <p:cNvSpPr/>
+          <p:nvPr/>
+        </p:nvSpPr>
+        <p:spPr>
+          <a:xfrm>
+            <a:off x="7358082" y="3143248"/>
+            <a:ext cx="1524776" cy="307777"/>
+          </a:xfrm>
+          <a:prstGeom prst="rect">
+            <a:avLst/>
+          </a:prstGeom>
+        </p:spPr>
+        <p:txBody>
+          <a:bodyPr wrap="none">
+            <a:spAutoFit/>
+          </a:bodyPr>
+          <a:lstStyle/>
+          <a:p>
+            <a:r>
+              <a:rPr lang="fr-FR" sz="1400" b="1" kern="0" dirty="0" smtClean="0">
+                <a:solidFill>
+                  <a:prstClr val="black"/>
+                </a:solidFill>
+              </a:rPr>
+              <a:t>Corde non tendue</a:t>
+            </a:r>
+            <a:endParaRPr lang="fr-FR" sz="1400" b="1" dirty="0"/>
+          </a:p>
+        </p:txBody>
+      </p:sp>
+      <p:sp>
+        <p:nvSpPr>
+          <p:cNvPr id="207" name="Flèche vers le bas 206"/>
+          <p:cNvSpPr/>
+          <p:nvPr/>
+        </p:nvSpPr>
+        <p:spPr>
+          <a:xfrm>
+            <a:off x="8001024" y="5715016"/>
+            <a:ext cx="285752" cy="785818"/>
+          </a:xfrm>
+          <a:prstGeom prst="downArrow">
+            <a:avLst/>
+          </a:prstGeom>
+        </p:spPr>
+        <p:style>
+          <a:lnRef idx="1">
+            <a:schemeClr val="accent2"/>
+          </a:lnRef>
+          <a:fillRef idx="2">
+            <a:schemeClr val="accent2"/>
+          </a:fillRef>
+          <a:effectRef idx="1">
+            <a:schemeClr val="accent2"/>
+          </a:effectRef>
+          <a:fontRef idx="minor">
+            <a:schemeClr val="dk1"/>
+          </a:fontRef>
+        </p:style>
+        <p:txBody>
+          <a:bodyPr rtlCol="0" anchor="ctr"/>
+          <a:lstStyle/>
+          <a:p>
+            <a:pPr algn="ctr"/>
+            <a:endParaRPr lang="fr-FR"/>
+          </a:p>
+        </p:txBody>
+      </p:sp>
+      <p:sp>
+        <p:nvSpPr>
+          <p:cNvPr id="208" name="Rectangle 207"/>
+          <p:cNvSpPr/>
+          <p:nvPr/>
+        </p:nvSpPr>
+        <p:spPr>
+          <a:xfrm>
+            <a:off x="7572396" y="6550223"/>
+            <a:ext cx="1196161" cy="307777"/>
+          </a:xfrm>
+          <a:prstGeom prst="rect">
+            <a:avLst/>
+          </a:prstGeom>
+        </p:spPr>
+        <p:txBody>
+          <a:bodyPr wrap="none">
+            <a:spAutoFit/>
+          </a:bodyPr>
+          <a:lstStyle/>
+          <a:p>
+            <a:r>
+              <a:rPr lang="fr-FR" sz="1400" b="1" kern="0" dirty="0" smtClean="0">
+                <a:solidFill>
+                  <a:prstClr val="black"/>
+                </a:solidFill>
+              </a:rPr>
+              <a:t>Corde tendue</a:t>
+            </a:r>
+            <a:endParaRPr lang="fr-FR" sz="1400" b="1" dirty="0"/>
+          </a:p>
+        </p:txBody>
+      </p:sp>
+      <p:cxnSp>
+        <p:nvCxnSpPr>
+          <p:cNvPr id="241" name="Connecteur droit avec flèche 240"/>
+          <p:cNvCxnSpPr/>
+          <p:nvPr/>
+        </p:nvCxnSpPr>
+        <p:spPr>
+          <a:xfrm rot="5400000" flipH="1" flipV="1">
+            <a:off x="4996244" y="3862012"/>
+            <a:ext cx="1294652" cy="1588"/>
+          </a:xfrm>
+          <a:prstGeom prst="straightConnector1">
+            <a:avLst/>
+          </a:prstGeom>
+          <a:noFill/>
+          <a:ln w="19050" cap="flat" cmpd="sng" algn="ctr">
+            <a:solidFill>
+              <a:srgbClr val="4F81BD">
+                <a:shade val="95000"/>
+                <a:satMod val="105000"/>
+              </a:srgbClr>
+            </a:solidFill>
+            <a:prstDash val="solid"/>
+            <a:headEnd type="none" w="med" len="med"/>
+            <a:tailEnd type="stealth" w="med" len="lg"/>
+          </a:ln>
+          <a:effectLst/>
+        </p:spPr>
+      </p:cxnSp>
+      <p:cxnSp>
+        <p:nvCxnSpPr>
+          <p:cNvPr id="244" name="Connecteur droit avec flèche 243"/>
+          <p:cNvCxnSpPr/>
+          <p:nvPr/>
+        </p:nvCxnSpPr>
+        <p:spPr>
+          <a:xfrm rot="5400000" flipH="1" flipV="1">
+            <a:off x="5250661" y="4607728"/>
+            <a:ext cx="214315" cy="1588"/>
+          </a:xfrm>
+          <a:prstGeom prst="straightConnector1">
+            <a:avLst/>
+          </a:prstGeom>
+          <a:noFill/>
+          <a:ln w="19050" cap="flat" cmpd="sng" algn="ctr">
+            <a:solidFill>
+              <a:srgbClr val="4F81BD">
+                <a:shade val="95000"/>
+                <a:satMod val="105000"/>
+              </a:srgbClr>
+            </a:solidFill>
+            <a:prstDash val="solid"/>
+            <a:headEnd type="none" w="med" len="med"/>
+            <a:tailEnd type="none" w="med" len="med"/>
+          </a:ln>
+          <a:effectLst/>
+        </p:spPr>
+      </p:cxnSp>
+      <p:cxnSp>
+        <p:nvCxnSpPr>
+          <p:cNvPr id="247" name="Connecteur droit avec flèche 246"/>
+          <p:cNvCxnSpPr/>
+          <p:nvPr/>
+        </p:nvCxnSpPr>
+        <p:spPr>
+          <a:xfrm rot="10800000">
+            <a:off x="5357822" y="4500570"/>
+            <a:ext cx="285749" cy="1588"/>
+          </a:xfrm>
+          <a:prstGeom prst="straightConnector1">
+            <a:avLst/>
+          </a:prstGeom>
+          <a:noFill/>
+          <a:ln w="19050" cap="flat" cmpd="sng" algn="ctr">
+            <a:solidFill>
+              <a:srgbClr val="4F81BD">
+                <a:shade val="95000"/>
+                <a:satMod val="105000"/>
+              </a:srgbClr>
+            </a:solidFill>
+            <a:prstDash val="solid"/>
+            <a:headEnd type="none" w="med" len="med"/>
+            <a:tailEnd type="none" w="med" len="med"/>
+          </a:ln>
+          <a:effectLst/>
+        </p:spPr>
+      </p:cxnSp>
+      <p:sp>
+        <p:nvSpPr>
+          <p:cNvPr id="210" name="Rectangle 209"/>
+          <p:cNvSpPr/>
+          <p:nvPr/>
+        </p:nvSpPr>
+        <p:spPr>
+          <a:xfrm rot="16200000">
+            <a:off x="-741551" y="4277492"/>
+            <a:ext cx="1507144" cy="307777"/>
+          </a:xfrm>
+          <a:prstGeom prst="rect">
+            <a:avLst/>
+          </a:prstGeom>
+        </p:spPr>
+        <p:txBody>
+          <a:bodyPr wrap="none">
+            <a:spAutoFit/>
+          </a:bodyPr>
+          <a:lstStyle/>
+          <a:p>
+            <a:r>
+              <a:rPr lang="fr-FR" sz="1400" b="1" i="1" dirty="0" smtClean="0">
+                <a:solidFill>
+                  <a:schemeClr val="accent2"/>
+                </a:solidFill>
+              </a:rPr>
+              <a:t>Électricité  ~230 V</a:t>
+            </a:r>
+            <a:endParaRPr lang="fr-FR" sz="1400" b="1" i="1" dirty="0">
+              <a:solidFill>
+                <a:schemeClr val="accent2"/>
+              </a:solidFill>
+            </a:endParaRPr>
+          </a:p>
+        </p:txBody>
+      </p:sp>
+      <p:cxnSp>
+        <p:nvCxnSpPr>
+          <p:cNvPr id="287" name="Connecteur droit avec flèche 286"/>
+          <p:cNvCxnSpPr>
+            <a:endCxn id="55" idx="0"/>
+          </p:cNvCxnSpPr>
+          <p:nvPr/>
+        </p:nvCxnSpPr>
+        <p:spPr>
+          <a:xfrm>
+            <a:off x="2994744" y="3215480"/>
+            <a:ext cx="0" cy="570710"/>
+          </a:xfrm>
+          <a:prstGeom prst="straightConnector1">
+            <a:avLst/>
+          </a:prstGeom>
+          <a:noFill/>
+          <a:ln w="28575" cap="flat" cmpd="sng" algn="ctr">
+            <a:solidFill>
+              <a:srgbClr val="4F81BD">
+                <a:shade val="95000"/>
+                <a:satMod val="105000"/>
+              </a:srgbClr>
+            </a:solidFill>
+            <a:prstDash val="solid"/>
+            <a:tailEnd type="arrow"/>
+          </a:ln>
+          <a:effectLst/>
+        </p:spPr>
+      </p:cxnSp>
+      <p:sp>
+        <p:nvSpPr>
+          <p:cNvPr id="81" name="Rectangle 80"/>
+          <p:cNvSpPr/>
+          <p:nvPr/>
+        </p:nvSpPr>
+        <p:spPr>
+          <a:xfrm>
+            <a:off x="1191934" y="3253247"/>
+            <a:ext cx="1904689" cy="261610"/>
+          </a:xfrm>
+          <a:prstGeom prst="rect">
+            <a:avLst/>
+          </a:prstGeom>
+        </p:spPr>
+        <p:txBody>
+          <a:bodyPr wrap="none">
+            <a:spAutoFit/>
+          </a:bodyPr>
+          <a:lstStyle/>
+          <a:p>
+            <a:r>
+              <a:rPr lang="fr-FR" sz="1100" kern="0" dirty="0" smtClean="0">
+                <a:solidFill>
+                  <a:prstClr val="black"/>
+                </a:solidFill>
+              </a:rPr>
+              <a:t>Commande des interrupteurs</a:t>
+            </a:r>
+            <a:endParaRPr lang="fr-FR" sz="1100" dirty="0"/>
+          </a:p>
+        </p:txBody>
+      </p:sp>
+      <p:sp>
+        <p:nvSpPr>
+          <p:cNvPr id="82" name="Rectangle 81"/>
+          <p:cNvSpPr/>
+          <p:nvPr/>
+        </p:nvSpPr>
+        <p:spPr>
+          <a:xfrm>
+            <a:off x="4293878" y="3298195"/>
+            <a:ext cx="1348446" cy="261610"/>
+          </a:xfrm>
+          <a:prstGeom prst="rect">
+            <a:avLst/>
+          </a:prstGeom>
+        </p:spPr>
+        <p:txBody>
+          <a:bodyPr wrap="none">
+            <a:spAutoFit/>
+          </a:bodyPr>
+          <a:lstStyle/>
+          <a:p>
+            <a:r>
+              <a:rPr lang="fr-FR" sz="1100" kern="0" dirty="0" smtClean="0">
+                <a:solidFill>
+                  <a:prstClr val="black"/>
+                </a:solidFill>
+              </a:rPr>
+              <a:t>Allongement ressort</a:t>
+            </a:r>
+            <a:endParaRPr lang="fr-FR" sz="1100" dirty="0"/>
+          </a:p>
+        </p:txBody>
+      </p:sp>
+      <p:cxnSp>
+        <p:nvCxnSpPr>
+          <p:cNvPr id="83" name="Connecteur droit avec flèche 82"/>
+          <p:cNvCxnSpPr/>
+          <p:nvPr/>
+        </p:nvCxnSpPr>
+        <p:spPr>
+          <a:xfrm flipV="1">
+            <a:off x="6804248" y="3215480"/>
+            <a:ext cx="0" cy="1506830"/>
+          </a:xfrm>
+          <a:prstGeom prst="straightConnector1">
+            <a:avLst/>
+          </a:prstGeom>
+          <a:noFill/>
+          <a:ln w="19050" cap="flat" cmpd="sng" algn="ctr">
+            <a:solidFill>
+              <a:srgbClr val="4F81BD">
+                <a:shade val="95000"/>
+                <a:satMod val="105000"/>
+              </a:srgbClr>
+            </a:solidFill>
+            <a:prstDash val="solid"/>
+            <a:headEnd type="none" w="med" len="med"/>
+            <a:tailEnd type="stealth" w="med" len="lg"/>
+          </a:ln>
+          <a:effectLst/>
+        </p:spPr>
+      </p:cxnSp>
+      <p:sp>
+        <p:nvSpPr>
+          <p:cNvPr id="85" name="Rectangle 84"/>
+          <p:cNvSpPr/>
+          <p:nvPr/>
+        </p:nvSpPr>
+        <p:spPr>
+          <a:xfrm>
+            <a:off x="5770849" y="3297136"/>
+            <a:ext cx="1077539" cy="261610"/>
+          </a:xfrm>
+          <a:prstGeom prst="rect">
+            <a:avLst/>
+          </a:prstGeom>
+        </p:spPr>
+        <p:txBody>
+          <a:bodyPr wrap="none">
+            <a:spAutoFit/>
+          </a:bodyPr>
+          <a:lstStyle/>
+          <a:p>
+            <a:r>
+              <a:rPr lang="fr-FR" sz="1100" kern="0" dirty="0" smtClean="0">
+                <a:solidFill>
+                  <a:prstClr val="black"/>
+                </a:solidFill>
+              </a:rPr>
+              <a:t>Position chariot</a:t>
+            </a:r>
+            <a:endParaRPr lang="fr-FR" sz="1100" dirty="0"/>
+          </a:p>
+        </p:txBody>
+      </p:sp>
+    </p:spTree>
+    <p:extLst>
+      <p:ext uri="{BB962C8B-B14F-4D97-AF65-F5344CB8AC3E}">
+        <p14:creationId xmlns:p14="http://schemas.microsoft.com/office/powerpoint/2010/main" val="3934613450"/>
+      </p:ext>
+    </p:extLst>
+  </p:cSld>
+  <p:clrMapOvr>
+    <a:masterClrMapping/>
+  </p:clrMapOvr>
+</p:sld>
+</file>
+
 <file path=ppt/theme/theme1.xml><?xml version="1.0" encoding="utf-8"?>
 <a:theme xmlns:a="http://schemas.openxmlformats.org/drawingml/2006/main" name="Thème Office">
   <a:themeElements>
